--- a/Java Урок 22 Колекції. Set.pptx
+++ b/Java Урок 22 Колекції. Set.pptx
@@ -9,13 +9,13 @@
   </p:notesMasterIdLst>
   <p:sldIdLst>
     <p:sldId id="342" r:id="rId2"/>
-    <p:sldId id="487" r:id="rId3"/>
-    <p:sldId id="488" r:id="rId4"/>
-    <p:sldId id="315" r:id="rId5"/>
-    <p:sldId id="489" r:id="rId6"/>
-    <p:sldId id="490" r:id="rId7"/>
-    <p:sldId id="491" r:id="rId8"/>
-    <p:sldId id="492" r:id="rId9"/>
+    <p:sldId id="492" r:id="rId3"/>
+    <p:sldId id="487" r:id="rId4"/>
+    <p:sldId id="488" r:id="rId5"/>
+    <p:sldId id="315" r:id="rId6"/>
+    <p:sldId id="489" r:id="rId7"/>
+    <p:sldId id="490" r:id="rId8"/>
+    <p:sldId id="491" r:id="rId9"/>
     <p:sldId id="493" r:id="rId10"/>
     <p:sldId id="494" r:id="rId11"/>
     <p:sldId id="495" r:id="rId12"/>
@@ -227,7 +227,7 @@
           <a:p>
             <a:fld id="{1A587122-F954-45A2-B526-3DAB22A17FAC}" type="datetimeFigureOut">
               <a:rPr lang="uk-UA" smtClean="0"/>
-              <a:t>06.01.2024</a:t>
+              <a:t>28.02.2024</a:t>
             </a:fld>
             <a:endParaRPr lang="uk-UA"/>
           </a:p>
@@ -569,7 +569,7 @@
             <a:fld id="{B17F7970-59C6-41CF-871B-3BD368FB3BBF}" type="slidenum">
               <a:rPr lang="de-DE" altLang="ru-RU" smtClean="0"/>
               <a:pPr/>
-              <a:t>4</a:t>
+              <a:t>5</a:t>
             </a:fld>
             <a:endParaRPr lang="de-DE" altLang="ru-RU"/>
           </a:p>
@@ -821,7 +821,7 @@
           <a:p>
             <a:fld id="{DEE79B58-12B9-457D-962F-8903052CF6F5}" type="datetimeFigureOut">
               <a:rPr lang="uk-UA" smtClean="0"/>
-              <a:t>06.01.2024</a:t>
+              <a:t>28.02.2024</a:t>
             </a:fld>
             <a:endParaRPr lang="uk-UA"/>
           </a:p>
@@ -1021,7 +1021,7 @@
           <a:p>
             <a:fld id="{DEE79B58-12B9-457D-962F-8903052CF6F5}" type="datetimeFigureOut">
               <a:rPr lang="uk-UA" smtClean="0"/>
-              <a:t>06.01.2024</a:t>
+              <a:t>28.02.2024</a:t>
             </a:fld>
             <a:endParaRPr lang="uk-UA"/>
           </a:p>
@@ -1231,7 +1231,7 @@
           <a:p>
             <a:fld id="{DEE79B58-12B9-457D-962F-8903052CF6F5}" type="datetimeFigureOut">
               <a:rPr lang="uk-UA" smtClean="0"/>
-              <a:t>06.01.2024</a:t>
+              <a:t>28.02.2024</a:t>
             </a:fld>
             <a:endParaRPr lang="uk-UA"/>
           </a:p>
@@ -1554,7 +1554,7 @@
           <a:p>
             <a:fld id="{DEE79B58-12B9-457D-962F-8903052CF6F5}" type="datetimeFigureOut">
               <a:rPr lang="uk-UA" smtClean="0"/>
-              <a:t>06.01.2024</a:t>
+              <a:t>28.02.2024</a:t>
             </a:fld>
             <a:endParaRPr lang="uk-UA"/>
           </a:p>
@@ -1830,7 +1830,7 @@
           <a:p>
             <a:fld id="{DEE79B58-12B9-457D-962F-8903052CF6F5}" type="datetimeFigureOut">
               <a:rPr lang="uk-UA" smtClean="0"/>
-              <a:t>06.01.2024</a:t>
+              <a:t>28.02.2024</a:t>
             </a:fld>
             <a:endParaRPr lang="uk-UA"/>
           </a:p>
@@ -2098,7 +2098,7 @@
           <a:p>
             <a:fld id="{DEE79B58-12B9-457D-962F-8903052CF6F5}" type="datetimeFigureOut">
               <a:rPr lang="uk-UA" smtClean="0"/>
-              <a:t>06.01.2024</a:t>
+              <a:t>28.02.2024</a:t>
             </a:fld>
             <a:endParaRPr lang="uk-UA"/>
           </a:p>
@@ -2513,7 +2513,7 @@
           <a:p>
             <a:fld id="{DEE79B58-12B9-457D-962F-8903052CF6F5}" type="datetimeFigureOut">
               <a:rPr lang="uk-UA" smtClean="0"/>
-              <a:t>06.01.2024</a:t>
+              <a:t>28.02.2024</a:t>
             </a:fld>
             <a:endParaRPr lang="uk-UA"/>
           </a:p>
@@ -2655,7 +2655,7 @@
           <a:p>
             <a:fld id="{DEE79B58-12B9-457D-962F-8903052CF6F5}" type="datetimeFigureOut">
               <a:rPr lang="uk-UA" smtClean="0"/>
-              <a:t>06.01.2024</a:t>
+              <a:t>28.02.2024</a:t>
             </a:fld>
             <a:endParaRPr lang="uk-UA"/>
           </a:p>
@@ -2768,7 +2768,7 @@
           <a:p>
             <a:fld id="{DEE79B58-12B9-457D-962F-8903052CF6F5}" type="datetimeFigureOut">
               <a:rPr lang="uk-UA" smtClean="0"/>
-              <a:t>06.01.2024</a:t>
+              <a:t>28.02.2024</a:t>
             </a:fld>
             <a:endParaRPr lang="uk-UA"/>
           </a:p>
@@ -3081,7 +3081,7 @@
           <a:p>
             <a:fld id="{DEE79B58-12B9-457D-962F-8903052CF6F5}" type="datetimeFigureOut">
               <a:rPr lang="uk-UA" smtClean="0"/>
-              <a:t>06.01.2024</a:t>
+              <a:t>28.02.2024</a:t>
             </a:fld>
             <a:endParaRPr lang="uk-UA"/>
           </a:p>
@@ -3370,7 +3370,7 @@
           <a:p>
             <a:fld id="{DEE79B58-12B9-457D-962F-8903052CF6F5}" type="datetimeFigureOut">
               <a:rPr lang="uk-UA" smtClean="0"/>
-              <a:t>06.01.2024</a:t>
+              <a:t>28.02.2024</a:t>
             </a:fld>
             <a:endParaRPr lang="uk-UA"/>
           </a:p>
@@ -3613,7 +3613,7 @@
           <a:p>
             <a:fld id="{DEE79B58-12B9-457D-962F-8903052CF6F5}" type="datetimeFigureOut">
               <a:rPr lang="uk-UA" smtClean="0"/>
-              <a:t>06.01.2024</a:t>
+              <a:t>28.02.2024</a:t>
             </a:fld>
             <a:endParaRPr lang="uk-UA"/>
           </a:p>
@@ -10192,176 +10192,12 @@
           <a:chExt cx="0" cy="0"/>
         </a:xfrm>
       </p:grpSpPr>
-      <p:sp>
-        <p:nvSpPr>
-          <p:cNvPr id="2" name="Заголовок 1">
-            <a:extLst>
-              <a:ext uri="{FF2B5EF4-FFF2-40B4-BE49-F238E27FC236}">
-                <a16:creationId xmlns:a16="http://schemas.microsoft.com/office/drawing/2014/main" id="{0DA3C3D2-19BE-4905-9290-6A3A84A1A3A2}"/>
-              </a:ext>
-            </a:extLst>
-          </p:cNvPr>
-          <p:cNvSpPr>
-            <a:spLocks noGrp="1"/>
-          </p:cNvSpPr>
-          <p:nvPr>
-            <p:ph type="title"/>
-          </p:nvPr>
-        </p:nvSpPr>
-        <p:spPr>
-          <a:xfrm>
-            <a:off x="0" y="1"/>
-            <a:ext cx="12192000" cy="603314"/>
-          </a:xfrm>
-        </p:spPr>
-        <p:txBody>
-          <a:bodyPr>
-            <a:noAutofit/>
-          </a:bodyPr>
-          <a:lstStyle/>
-          <a:p>
-            <a:pPr algn="ctr"/>
-            <a:r>
-              <a:rPr lang="uk-UA" i="0" dirty="0">
-                <a:effectLst/>
-                <a:latin typeface="Times New Roman" panose="02020603050405020304" pitchFamily="18" charset="0"/>
-                <a:cs typeface="Times New Roman" panose="02020603050405020304" pitchFamily="18" charset="0"/>
-              </a:rPr>
-              <a:t>Що таке множина (</a:t>
-            </a:r>
-            <a:r>
-              <a:rPr lang="en-US" i="0" dirty="0">
-                <a:effectLst/>
-                <a:latin typeface="Times New Roman" panose="02020603050405020304" pitchFamily="18" charset="0"/>
-                <a:cs typeface="Times New Roman" panose="02020603050405020304" pitchFamily="18" charset="0"/>
-              </a:rPr>
-              <a:t>Set) </a:t>
-            </a:r>
-            <a:endParaRPr lang="uk-UA" dirty="0">
-              <a:latin typeface="Times New Roman" panose="02020603050405020304" pitchFamily="18" charset="0"/>
-              <a:cs typeface="Times New Roman" panose="02020603050405020304" pitchFamily="18" charset="0"/>
-            </a:endParaRPr>
-          </a:p>
-        </p:txBody>
-      </p:sp>
-      <p:sp>
-        <p:nvSpPr>
-          <p:cNvPr id="3" name="Объект 2">
-            <a:extLst>
-              <a:ext uri="{FF2B5EF4-FFF2-40B4-BE49-F238E27FC236}">
-                <a16:creationId xmlns:a16="http://schemas.microsoft.com/office/drawing/2014/main" id="{4C01D92A-16C5-4FFD-BD67-249D916A06A6}"/>
-              </a:ext>
-            </a:extLst>
-          </p:cNvPr>
-          <p:cNvSpPr>
-            <a:spLocks noGrp="1"/>
-          </p:cNvSpPr>
-          <p:nvPr>
-            <p:ph idx="1"/>
-          </p:nvPr>
-        </p:nvSpPr>
-        <p:spPr>
-          <a:xfrm>
-            <a:off x="329152" y="603315"/>
-            <a:ext cx="11463780" cy="4351338"/>
-          </a:xfrm>
-        </p:spPr>
-        <p:txBody>
-          <a:bodyPr/>
-          <a:lstStyle/>
-          <a:p>
-            <a:pPr algn="l" fontAlgn="base"/>
-            <a:r>
-              <a:rPr lang="uk-UA" b="0" i="0" dirty="0">
-                <a:solidFill>
-                  <a:srgbClr val="444444"/>
-                </a:solidFill>
-                <a:effectLst/>
-                <a:latin typeface="inherit"/>
-              </a:rPr>
-              <a:t>Як ми вже говорили, множина - це такий самий спосіб зберігання даних, як масив чи список. Але особливість множини в тому, що вона може зберігати тільки унікальні значення.</a:t>
-            </a:r>
-            <a:endParaRPr lang="uk-UA" b="0" i="0" dirty="0">
-              <a:solidFill>
-                <a:srgbClr val="444444"/>
-              </a:solidFill>
-              <a:effectLst/>
-              <a:latin typeface="Open Sans" panose="020B0606030504020204" pitchFamily="34" charset="0"/>
-            </a:endParaRPr>
-          </a:p>
-          <a:p>
-            <a:pPr marL="0" indent="0" algn="l" fontAlgn="base">
-              <a:buNone/>
-            </a:pPr>
-            <a:r>
-              <a:rPr lang="uk-UA" b="0" i="0" dirty="0">
-                <a:solidFill>
-                  <a:srgbClr val="444444"/>
-                </a:solidFill>
-                <a:effectLst/>
-                <a:latin typeface="inherit"/>
-              </a:rPr>
-              <a:t>Наприклад, якщо ми маємо безліч </a:t>
-            </a:r>
-            <a:r>
-              <a:rPr lang="en-US" b="1" i="0" dirty="0">
-                <a:solidFill>
-                  <a:srgbClr val="444444"/>
-                </a:solidFill>
-                <a:effectLst/>
-                <a:latin typeface="inherit"/>
-              </a:rPr>
-              <a:t>Integer</a:t>
-            </a:r>
-            <a:r>
-              <a:rPr lang="en-US" b="0" i="0" dirty="0">
-                <a:solidFill>
-                  <a:srgbClr val="444444"/>
-                </a:solidFill>
-                <a:effectLst/>
-                <a:latin typeface="inherit"/>
-              </a:rPr>
-              <a:t>-</a:t>
-            </a:r>
-            <a:r>
-              <a:rPr lang="uk-UA" b="0" i="0" dirty="0" err="1">
-                <a:solidFill>
-                  <a:srgbClr val="444444"/>
-                </a:solidFill>
-                <a:effectLst/>
-                <a:latin typeface="inherit"/>
-              </a:rPr>
-              <a:t>ів</a:t>
-            </a:r>
-            <a:r>
-              <a:rPr lang="uk-UA" b="0" i="0" dirty="0">
-                <a:solidFill>
-                  <a:srgbClr val="444444"/>
-                </a:solidFill>
-                <a:effectLst/>
-                <a:latin typeface="inherit"/>
-              </a:rPr>
-              <a:t> - у ньому лежать числа 1, 2, 3, 4 і 5:</a:t>
-            </a:r>
-            <a:endParaRPr lang="uk-UA" b="0" i="0" dirty="0">
-              <a:solidFill>
-                <a:srgbClr val="444444"/>
-              </a:solidFill>
-              <a:effectLst/>
-              <a:latin typeface="Open Sans" panose="020B0606030504020204" pitchFamily="34" charset="0"/>
-            </a:endParaRPr>
-          </a:p>
-          <a:p>
-            <a:endParaRPr lang="uk-UA" dirty="0"/>
-          </a:p>
-        </p:txBody>
-      </p:sp>
       <p:pic>
         <p:nvPicPr>
           <p:cNvPr id="5" name="Рисунок 4">
             <a:extLst>
               <a:ext uri="{FF2B5EF4-FFF2-40B4-BE49-F238E27FC236}">
-                <a16:creationId xmlns:a16="http://schemas.microsoft.com/office/drawing/2014/main" id="{AEA86A7B-868C-4817-81FC-01979F7FF0C2}"/>
+                <a16:creationId xmlns:a16="http://schemas.microsoft.com/office/drawing/2014/main" id="{8E3959EE-865F-47E2-96DF-0FE19D5E729B}"/>
               </a:ext>
             </a:extLst>
           </p:cNvPr>
@@ -10378,18 +10214,61 @@
         </p:blipFill>
         <p:spPr>
           <a:xfrm>
-            <a:off x="3672918" y="3174910"/>
-            <a:ext cx="4846163" cy="2730900"/>
+            <a:off x="2147887" y="1385887"/>
+            <a:ext cx="7896225" cy="4086225"/>
           </a:xfrm>
           <a:prstGeom prst="rect">
             <a:avLst/>
           </a:prstGeom>
         </p:spPr>
       </p:pic>
+      <p:sp>
+        <p:nvSpPr>
+          <p:cNvPr id="6" name="Заголовок 1">
+            <a:extLst>
+              <a:ext uri="{FF2B5EF4-FFF2-40B4-BE49-F238E27FC236}">
+                <a16:creationId xmlns:a16="http://schemas.microsoft.com/office/drawing/2014/main" id="{61809A7A-4B9D-4EC5-A06F-4FC12406F07F}"/>
+              </a:ext>
+            </a:extLst>
+          </p:cNvPr>
+          <p:cNvSpPr>
+            <a:spLocks noGrp="1"/>
+          </p:cNvSpPr>
+          <p:nvPr>
+            <p:ph type="title"/>
+          </p:nvPr>
+        </p:nvSpPr>
+        <p:spPr>
+          <a:xfrm>
+            <a:off x="0" y="1"/>
+            <a:ext cx="12192000" cy="1065228"/>
+          </a:xfrm>
+        </p:spPr>
+        <p:txBody>
+          <a:bodyPr>
+            <a:normAutofit/>
+          </a:bodyPr>
+          <a:lstStyle/>
+          <a:p>
+            <a:pPr algn="ctr"/>
+            <a:r>
+              <a:rPr lang="en-US" sz="4000" b="1" dirty="0">
+                <a:latin typeface="Times New Roman" panose="02020603050405020304" pitchFamily="18" charset="0"/>
+                <a:cs typeface="Times New Roman" panose="02020603050405020304" pitchFamily="18" charset="0"/>
+              </a:rPr>
+              <a:t>HashSet</a:t>
+            </a:r>
+            <a:endParaRPr lang="uk-UA" sz="4000" dirty="0">
+              <a:latin typeface="Times New Roman" panose="02020603050405020304" pitchFamily="18" charset="0"/>
+              <a:cs typeface="Times New Roman" panose="02020603050405020304" pitchFamily="18" charset="0"/>
+            </a:endParaRPr>
+          </a:p>
+        </p:txBody>
+      </p:sp>
     </p:spTree>
     <p:extLst>
       <p:ext uri="{BB962C8B-B14F-4D97-AF65-F5344CB8AC3E}">
-        <p14:creationId xmlns:p14="http://schemas.microsoft.com/office/powerpoint/2010/main" val="714484875"/>
+        <p14:creationId xmlns:p14="http://schemas.microsoft.com/office/powerpoint/2010/main" val="3457657643"/>
       </p:ext>
     </p:extLst>
   </p:cSld>
@@ -23181,10 +23060,62 @@
       </p:grpSpPr>
       <p:sp>
         <p:nvSpPr>
+          <p:cNvPr id="2" name="Заголовок 1">
+            <a:extLst>
+              <a:ext uri="{FF2B5EF4-FFF2-40B4-BE49-F238E27FC236}">
+                <a16:creationId xmlns:a16="http://schemas.microsoft.com/office/drawing/2014/main" id="{0DA3C3D2-19BE-4905-9290-6A3A84A1A3A2}"/>
+              </a:ext>
+            </a:extLst>
+          </p:cNvPr>
+          <p:cNvSpPr>
+            <a:spLocks noGrp="1"/>
+          </p:cNvSpPr>
+          <p:nvPr>
+            <p:ph type="title"/>
+          </p:nvPr>
+        </p:nvSpPr>
+        <p:spPr>
+          <a:xfrm>
+            <a:off x="0" y="1"/>
+            <a:ext cx="12192000" cy="603314"/>
+          </a:xfrm>
+        </p:spPr>
+        <p:txBody>
+          <a:bodyPr>
+            <a:noAutofit/>
+          </a:bodyPr>
+          <a:lstStyle/>
+          <a:p>
+            <a:pPr algn="ctr"/>
+            <a:r>
+              <a:rPr lang="uk-UA" i="0" dirty="0">
+                <a:effectLst/>
+                <a:latin typeface="Times New Roman" panose="02020603050405020304" pitchFamily="18" charset="0"/>
+                <a:cs typeface="Times New Roman" panose="02020603050405020304" pitchFamily="18" charset="0"/>
+              </a:rPr>
+              <a:t>Що таке множина (</a:t>
+            </a:r>
+            <a:r>
+              <a:rPr lang="en-US" i="0" dirty="0">
+                <a:effectLst/>
+                <a:latin typeface="Times New Roman" panose="02020603050405020304" pitchFamily="18" charset="0"/>
+                <a:cs typeface="Times New Roman" panose="02020603050405020304" pitchFamily="18" charset="0"/>
+              </a:rPr>
+              <a:t>Set) </a:t>
+            </a:r>
+            <a:endParaRPr lang="uk-UA" dirty="0">
+              <a:latin typeface="Times New Roman" panose="02020603050405020304" pitchFamily="18" charset="0"/>
+              <a:cs typeface="Times New Roman" panose="02020603050405020304" pitchFamily="18" charset="0"/>
+            </a:endParaRPr>
+          </a:p>
+        </p:txBody>
+      </p:sp>
+      <p:sp>
+        <p:nvSpPr>
           <p:cNvPr id="3" name="Объект 2">
             <a:extLst>
               <a:ext uri="{FF2B5EF4-FFF2-40B4-BE49-F238E27FC236}">
-                <a16:creationId xmlns:a16="http://schemas.microsoft.com/office/drawing/2014/main" id="{A79E34BC-82C5-42DB-96D1-DBACC8C4E42A}"/>
+                <a16:creationId xmlns:a16="http://schemas.microsoft.com/office/drawing/2014/main" id="{4C01D92A-16C5-4FFD-BD67-249D916A06A6}"/>
               </a:ext>
             </a:extLst>
           </p:cNvPr>
@@ -23197,259 +23128,106 @@
         </p:nvSpPr>
         <p:spPr>
           <a:xfrm>
-            <a:off x="659876" y="829559"/>
-            <a:ext cx="10693924" cy="5347404"/>
+            <a:off x="329152" y="603315"/>
+            <a:ext cx="11463780" cy="4351338"/>
           </a:xfrm>
         </p:spPr>
         <p:txBody>
           <a:bodyPr/>
           <a:lstStyle/>
           <a:p>
-            <a:pPr marL="0" indent="0">
+            <a:pPr algn="l" fontAlgn="base"/>
+            <a:r>
+              <a:rPr lang="uk-UA" b="0" i="0" dirty="0">
+                <a:solidFill>
+                  <a:srgbClr val="444444"/>
+                </a:solidFill>
+                <a:effectLst/>
+                <a:latin typeface="inherit"/>
+              </a:rPr>
+              <a:t>Як ми вже говорили, множина - це такий самий спосіб зберігання даних, як масив чи список. Але особливість множини в тому, що вона може зберігати тільки унікальні значення.</a:t>
+            </a:r>
+            <a:endParaRPr lang="uk-UA" b="0" i="0" dirty="0">
+              <a:solidFill>
+                <a:srgbClr val="444444"/>
+              </a:solidFill>
+              <a:effectLst/>
+              <a:latin typeface="Open Sans" panose="020B0606030504020204" pitchFamily="34" charset="0"/>
+            </a:endParaRPr>
+          </a:p>
+          <a:p>
+            <a:pPr marL="0" indent="0" algn="l" fontAlgn="base">
               <a:buNone/>
             </a:pPr>
             <a:r>
-              <a:rPr lang="ru-RU" b="0" i="0" dirty="0" err="1">
-                <a:effectLst/>
-                <a:latin typeface="Times New Roman" panose="02020603050405020304" pitchFamily="18" charset="0"/>
-                <a:cs typeface="Times New Roman" panose="02020603050405020304" pitchFamily="18" charset="0"/>
-              </a:rPr>
-              <a:t>Якщо</a:t>
-            </a:r>
-            <a:r>
-              <a:rPr lang="ru-RU" b="0" i="0" dirty="0">
-                <a:effectLst/>
-                <a:latin typeface="Times New Roman" panose="02020603050405020304" pitchFamily="18" charset="0"/>
-                <a:cs typeface="Times New Roman" panose="02020603050405020304" pitchFamily="18" charset="0"/>
-              </a:rPr>
-              <a:t> ми </a:t>
-            </a:r>
-            <a:r>
-              <a:rPr lang="ru-RU" b="0" i="0" dirty="0" err="1">
-                <a:effectLst/>
-                <a:latin typeface="Times New Roman" panose="02020603050405020304" pitchFamily="18" charset="0"/>
-                <a:cs typeface="Times New Roman" panose="02020603050405020304" pitchFamily="18" charset="0"/>
-              </a:rPr>
-              <a:t>спробуємо</a:t>
-            </a:r>
-            <a:r>
-              <a:rPr lang="ru-RU" b="0" i="0" dirty="0">
-                <a:effectLst/>
-                <a:latin typeface="Times New Roman" panose="02020603050405020304" pitchFamily="18" charset="0"/>
-                <a:cs typeface="Times New Roman" panose="02020603050405020304" pitchFamily="18" charset="0"/>
-              </a:rPr>
-              <a:t> </a:t>
-            </a:r>
-            <a:r>
-              <a:rPr lang="ru-RU" b="0" i="0" dirty="0" err="1">
-                <a:effectLst/>
-                <a:latin typeface="Times New Roman" panose="02020603050405020304" pitchFamily="18" charset="0"/>
-                <a:cs typeface="Times New Roman" panose="02020603050405020304" pitchFamily="18" charset="0"/>
-              </a:rPr>
-              <a:t>додати</a:t>
-            </a:r>
-            <a:r>
-              <a:rPr lang="ru-RU" b="0" i="0" dirty="0">
-                <a:effectLst/>
-                <a:latin typeface="Times New Roman" panose="02020603050405020304" pitchFamily="18" charset="0"/>
-                <a:cs typeface="Times New Roman" panose="02020603050405020304" pitchFamily="18" charset="0"/>
-              </a:rPr>
-              <a:t> </a:t>
-            </a:r>
-            <a:r>
-              <a:rPr lang="ru-RU" b="0" i="0" dirty="0" err="1">
-                <a:effectLst/>
-                <a:latin typeface="Times New Roman" panose="02020603050405020304" pitchFamily="18" charset="0"/>
-                <a:cs typeface="Times New Roman" panose="02020603050405020304" pitchFamily="18" charset="0"/>
-              </a:rPr>
-              <a:t>туди</a:t>
-            </a:r>
-            <a:r>
-              <a:rPr lang="ru-RU" b="0" i="0" dirty="0">
-                <a:effectLst/>
-                <a:latin typeface="Times New Roman" panose="02020603050405020304" pitchFamily="18" charset="0"/>
-                <a:cs typeface="Times New Roman" panose="02020603050405020304" pitchFamily="18" charset="0"/>
-              </a:rPr>
-              <a:t> </a:t>
-            </a:r>
-            <a:r>
-              <a:rPr lang="ru-RU" b="0" i="0" dirty="0" err="1">
-                <a:effectLst/>
-                <a:latin typeface="Times New Roman" panose="02020603050405020304" pitchFamily="18" charset="0"/>
-                <a:cs typeface="Times New Roman" panose="02020603050405020304" pitchFamily="18" charset="0"/>
-              </a:rPr>
-              <a:t>одиницю</a:t>
-            </a:r>
-            <a:r>
-              <a:rPr lang="ru-RU" b="0" i="0" dirty="0">
-                <a:effectLst/>
-                <a:latin typeface="Times New Roman" panose="02020603050405020304" pitchFamily="18" charset="0"/>
-                <a:cs typeface="Times New Roman" panose="02020603050405020304" pitchFamily="18" charset="0"/>
-              </a:rPr>
-              <a:t>, у нас не </a:t>
-            </a:r>
-            <a:r>
-              <a:rPr lang="ru-RU" b="0" i="0" dirty="0" err="1">
-                <a:effectLst/>
-                <a:latin typeface="Times New Roman" panose="02020603050405020304" pitchFamily="18" charset="0"/>
-                <a:cs typeface="Times New Roman" panose="02020603050405020304" pitchFamily="18" charset="0"/>
-              </a:rPr>
-              <a:t>вийде</a:t>
-            </a:r>
-            <a:r>
-              <a:rPr lang="ru-RU" b="0" i="0" dirty="0">
-                <a:effectLst/>
-                <a:latin typeface="Times New Roman" panose="02020603050405020304" pitchFamily="18" charset="0"/>
-                <a:cs typeface="Times New Roman" panose="02020603050405020304" pitchFamily="18" charset="0"/>
-              </a:rPr>
-              <a:t> - тому </a:t>
-            </a:r>
-            <a:r>
-              <a:rPr lang="ru-RU" b="0" i="0" dirty="0" err="1">
-                <a:effectLst/>
-                <a:latin typeface="Times New Roman" panose="02020603050405020304" pitchFamily="18" charset="0"/>
-                <a:cs typeface="Times New Roman" panose="02020603050405020304" pitchFamily="18" charset="0"/>
-              </a:rPr>
-              <a:t>що</a:t>
-            </a:r>
-            <a:r>
-              <a:rPr lang="ru-RU" b="0" i="0" dirty="0">
-                <a:effectLst/>
-                <a:latin typeface="Times New Roman" panose="02020603050405020304" pitchFamily="18" charset="0"/>
-                <a:cs typeface="Times New Roman" panose="02020603050405020304" pitchFamily="18" charset="0"/>
-              </a:rPr>
-              <a:t> в </a:t>
-            </a:r>
-            <a:r>
-              <a:rPr lang="ru-RU" b="0" i="0" dirty="0" err="1">
-                <a:effectLst/>
-                <a:latin typeface="Times New Roman" panose="02020603050405020304" pitchFamily="18" charset="0"/>
-                <a:cs typeface="Times New Roman" panose="02020603050405020304" pitchFamily="18" charset="0"/>
-              </a:rPr>
-              <a:t>більшості</a:t>
-            </a:r>
-            <a:r>
-              <a:rPr lang="ru-RU" b="0" i="0" dirty="0">
-                <a:effectLst/>
-                <a:latin typeface="Times New Roman" panose="02020603050405020304" pitchFamily="18" charset="0"/>
-                <a:cs typeface="Times New Roman" panose="02020603050405020304" pitchFamily="18" charset="0"/>
-              </a:rPr>
-              <a:t> </a:t>
-            </a:r>
-            <a:r>
-              <a:rPr lang="ru-RU" b="0" i="0" dirty="0" err="1">
-                <a:effectLst/>
-                <a:latin typeface="Times New Roman" panose="02020603050405020304" pitchFamily="18" charset="0"/>
-                <a:cs typeface="Times New Roman" panose="02020603050405020304" pitchFamily="18" charset="0"/>
-              </a:rPr>
-              <a:t>вже</a:t>
-            </a:r>
-            <a:r>
-              <a:rPr lang="ru-RU" b="0" i="0" dirty="0">
-                <a:effectLst/>
-                <a:latin typeface="Times New Roman" panose="02020603050405020304" pitchFamily="18" charset="0"/>
-                <a:cs typeface="Times New Roman" panose="02020603050405020304" pitchFamily="18" charset="0"/>
-              </a:rPr>
-              <a:t> є </a:t>
-            </a:r>
-            <a:r>
-              <a:rPr lang="ru-RU" b="0" i="0" dirty="0" err="1">
-                <a:effectLst/>
-                <a:latin typeface="Times New Roman" panose="02020603050405020304" pitchFamily="18" charset="0"/>
-                <a:cs typeface="Times New Roman" panose="02020603050405020304" pitchFamily="18" charset="0"/>
-              </a:rPr>
-              <a:t>одиниця</a:t>
-            </a:r>
-            <a:r>
-              <a:rPr lang="ru-RU" b="0" i="0" dirty="0">
-                <a:effectLst/>
-                <a:latin typeface="Times New Roman" panose="02020603050405020304" pitchFamily="18" charset="0"/>
-                <a:cs typeface="Times New Roman" panose="02020603050405020304" pitchFamily="18" charset="0"/>
-              </a:rPr>
-              <a:t>:</a:t>
-            </a:r>
-            <a:endParaRPr lang="uk-UA" dirty="0">
-              <a:latin typeface="Times New Roman" panose="02020603050405020304" pitchFamily="18" charset="0"/>
-              <a:cs typeface="Times New Roman" panose="02020603050405020304" pitchFamily="18" charset="0"/>
+              <a:rPr lang="uk-UA" b="0" i="0" dirty="0">
+                <a:solidFill>
+                  <a:srgbClr val="444444"/>
+                </a:solidFill>
+                <a:effectLst/>
+                <a:latin typeface="inherit"/>
+              </a:rPr>
+              <a:t>Наприклад, якщо ми маємо безліч </a:t>
+            </a:r>
+            <a:r>
+              <a:rPr lang="en-US" b="1" i="0" dirty="0">
+                <a:solidFill>
+                  <a:srgbClr val="444444"/>
+                </a:solidFill>
+                <a:effectLst/>
+                <a:latin typeface="inherit"/>
+              </a:rPr>
+              <a:t>Integer</a:t>
+            </a:r>
+            <a:r>
+              <a:rPr lang="en-US" b="0" i="0" dirty="0">
+                <a:solidFill>
+                  <a:srgbClr val="444444"/>
+                </a:solidFill>
+                <a:effectLst/>
+                <a:latin typeface="inherit"/>
+              </a:rPr>
+              <a:t>-</a:t>
+            </a:r>
+            <a:r>
+              <a:rPr lang="uk-UA" b="0" i="0" dirty="0" err="1">
+                <a:solidFill>
+                  <a:srgbClr val="444444"/>
+                </a:solidFill>
+                <a:effectLst/>
+                <a:latin typeface="inherit"/>
+              </a:rPr>
+              <a:t>ів</a:t>
+            </a:r>
+            <a:r>
+              <a:rPr lang="uk-UA" b="0" i="0" dirty="0">
+                <a:solidFill>
+                  <a:srgbClr val="444444"/>
+                </a:solidFill>
+                <a:effectLst/>
+                <a:latin typeface="inherit"/>
+              </a:rPr>
+              <a:t> - у ньому лежать числа 1, 2, 3, 4 і 5:</a:t>
+            </a:r>
+            <a:endParaRPr lang="uk-UA" b="0" i="0" dirty="0">
+              <a:solidFill>
+                <a:srgbClr val="444444"/>
+              </a:solidFill>
+              <a:effectLst/>
+              <a:latin typeface="Open Sans" panose="020B0606030504020204" pitchFamily="34" charset="0"/>
             </a:endParaRPr>
           </a:p>
-        </p:txBody>
-      </p:sp>
-      <p:sp>
-        <p:nvSpPr>
-          <p:cNvPr id="4" name="Заголовок 1">
-            <a:extLst>
-              <a:ext uri="{FF2B5EF4-FFF2-40B4-BE49-F238E27FC236}">
-                <a16:creationId xmlns:a16="http://schemas.microsoft.com/office/drawing/2014/main" id="{A29FC11B-F8F9-476D-9FBD-07CBAE202736}"/>
-              </a:ext>
-            </a:extLst>
-          </p:cNvPr>
-          <p:cNvSpPr txBox="1">
-            <a:spLocks/>
-          </p:cNvSpPr>
-          <p:nvPr/>
-        </p:nvSpPr>
-        <p:spPr>
-          <a:xfrm>
-            <a:off x="0" y="1"/>
-            <a:ext cx="12192000" cy="603314"/>
-          </a:xfrm>
-          <a:prstGeom prst="rect">
-            <a:avLst/>
-          </a:prstGeom>
-        </p:spPr>
-        <p:txBody>
-          <a:bodyPr vert="horz" lIns="91440" tIns="45720" rIns="91440" bIns="45720" rtlCol="0" anchor="ctr">
-            <a:noAutofit/>
-          </a:bodyPr>
-          <a:lstStyle>
-            <a:lvl1pPr algn="l" defTabSz="914400" rtl="0" eaLnBrk="1" latinLnBrk="0" hangingPunct="1">
-              <a:lnSpc>
-                <a:spcPct val="90000"/>
-              </a:lnSpc>
-              <a:spcBef>
-                <a:spcPct val="0"/>
-              </a:spcBef>
-              <a:buNone/>
-              <a:defRPr sz="4400" kern="1200">
-                <a:solidFill>
-                  <a:schemeClr val="tx1"/>
-                </a:solidFill>
-                <a:latin typeface="+mj-lt"/>
-                <a:ea typeface="+mj-ea"/>
-                <a:cs typeface="+mj-cs"/>
-              </a:defRPr>
-            </a:lvl1pPr>
-          </a:lstStyle>
-          <a:p>
-            <a:pPr algn="ctr"/>
-            <a:r>
-              <a:rPr lang="uk-UA">
-                <a:latin typeface="Times New Roman" panose="02020603050405020304" pitchFamily="18" charset="0"/>
-                <a:cs typeface="Times New Roman" panose="02020603050405020304" pitchFamily="18" charset="0"/>
-              </a:rPr>
-              <a:t>Що таке множина (</a:t>
-            </a:r>
-            <a:r>
-              <a:rPr lang="en-US">
-                <a:latin typeface="Times New Roman" panose="02020603050405020304" pitchFamily="18" charset="0"/>
-                <a:cs typeface="Times New Roman" panose="02020603050405020304" pitchFamily="18" charset="0"/>
-              </a:rPr>
-              <a:t>Set) </a:t>
-            </a:r>
-            <a:endParaRPr lang="uk-UA" dirty="0">
-              <a:latin typeface="Times New Roman" panose="02020603050405020304" pitchFamily="18" charset="0"/>
-              <a:cs typeface="Times New Roman" panose="02020603050405020304" pitchFamily="18" charset="0"/>
-            </a:endParaRPr>
+          <a:p>
+            <a:endParaRPr lang="uk-UA" dirty="0"/>
           </a:p>
         </p:txBody>
       </p:sp>
       <p:pic>
         <p:nvPicPr>
-          <p:cNvPr id="6" name="Рисунок 5">
+          <p:cNvPr id="5" name="Рисунок 4">
             <a:extLst>
               <a:ext uri="{FF2B5EF4-FFF2-40B4-BE49-F238E27FC236}">
-                <a16:creationId xmlns:a16="http://schemas.microsoft.com/office/drawing/2014/main" id="{8DB2E294-83AF-4BBD-810E-E18867672A15}"/>
+                <a16:creationId xmlns:a16="http://schemas.microsoft.com/office/drawing/2014/main" id="{AEA86A7B-868C-4817-81FC-01979F7FF0C2}"/>
               </a:ext>
             </a:extLst>
           </p:cNvPr>
@@ -23466,205 +23244,18 @@
         </p:blipFill>
         <p:spPr>
           <a:xfrm>
-            <a:off x="659876" y="2169306"/>
-            <a:ext cx="3965494" cy="2519388"/>
+            <a:off x="3672918" y="3174910"/>
+            <a:ext cx="4846163" cy="2730900"/>
           </a:xfrm>
           <a:prstGeom prst="rect">
             <a:avLst/>
           </a:prstGeom>
         </p:spPr>
       </p:pic>
-      <p:sp>
-        <p:nvSpPr>
-          <p:cNvPr id="8" name="TextBox 7">
-            <a:extLst>
-              <a:ext uri="{FF2B5EF4-FFF2-40B4-BE49-F238E27FC236}">
-                <a16:creationId xmlns:a16="http://schemas.microsoft.com/office/drawing/2014/main" id="{7CF93E29-6587-45B5-AD57-0BF9FF1547E2}"/>
-              </a:ext>
-            </a:extLst>
-          </p:cNvPr>
-          <p:cNvSpPr txBox="1"/>
-          <p:nvPr/>
-        </p:nvSpPr>
-        <p:spPr>
-          <a:xfrm>
-            <a:off x="659876" y="5018144"/>
-            <a:ext cx="10058400" cy="830997"/>
-          </a:xfrm>
-          <a:prstGeom prst="rect">
-            <a:avLst/>
-          </a:prstGeom>
-          <a:noFill/>
-        </p:spPr>
-        <p:txBody>
-          <a:bodyPr wrap="square">
-            <a:spAutoFit/>
-          </a:bodyPr>
-          <a:lstStyle/>
-          <a:p>
-            <a:r>
-              <a:rPr lang="ru-RU" sz="2400" b="0" i="0" dirty="0">
-                <a:effectLst/>
-                <a:latin typeface="Times New Roman" panose="02020603050405020304" pitchFamily="18" charset="0"/>
-                <a:cs typeface="Times New Roman" panose="02020603050405020304" pitchFamily="18" charset="0"/>
-              </a:rPr>
-              <a:t>Таким чином, </a:t>
-            </a:r>
-            <a:r>
-              <a:rPr lang="ru-RU" sz="2400" b="0" i="0" dirty="0" err="1">
-                <a:effectLst/>
-                <a:latin typeface="Times New Roman" panose="02020603050405020304" pitchFamily="18" charset="0"/>
-                <a:cs typeface="Times New Roman" panose="02020603050405020304" pitchFamily="18" charset="0"/>
-              </a:rPr>
-              <a:t>множина</a:t>
-            </a:r>
-            <a:r>
-              <a:rPr lang="ru-RU" sz="2400" b="0" i="0" dirty="0">
-                <a:effectLst/>
-                <a:latin typeface="Times New Roman" panose="02020603050405020304" pitchFamily="18" charset="0"/>
-                <a:cs typeface="Times New Roman" panose="02020603050405020304" pitchFamily="18" charset="0"/>
-              </a:rPr>
-              <a:t> </a:t>
-            </a:r>
-            <a:r>
-              <a:rPr lang="ru-RU" sz="2400" b="1" i="0" dirty="0" err="1">
-                <a:effectLst/>
-                <a:latin typeface="Times New Roman" panose="02020603050405020304" pitchFamily="18" charset="0"/>
-                <a:cs typeface="Times New Roman" panose="02020603050405020304" pitchFamily="18" charset="0"/>
-              </a:rPr>
-              <a:t>забезпечує</a:t>
-            </a:r>
-            <a:r>
-              <a:rPr lang="ru-RU" sz="2400" b="0" i="0" dirty="0">
-                <a:effectLst/>
-                <a:latin typeface="Times New Roman" panose="02020603050405020304" pitchFamily="18" charset="0"/>
-                <a:cs typeface="Times New Roman" panose="02020603050405020304" pitchFamily="18" charset="0"/>
-              </a:rPr>
-              <a:t> </a:t>
-            </a:r>
-            <a:r>
-              <a:rPr lang="ru-RU" sz="2400" b="1" i="0" dirty="0" err="1">
-                <a:effectLst/>
-                <a:latin typeface="Times New Roman" panose="02020603050405020304" pitchFamily="18" charset="0"/>
-                <a:cs typeface="Times New Roman" panose="02020603050405020304" pitchFamily="18" charset="0"/>
-              </a:rPr>
-              <a:t>унікальність</a:t>
-            </a:r>
-            <a:r>
-              <a:rPr lang="ru-RU" sz="2400" b="1" i="0" dirty="0">
-                <a:effectLst/>
-                <a:latin typeface="Times New Roman" panose="02020603050405020304" pitchFamily="18" charset="0"/>
-                <a:cs typeface="Times New Roman" panose="02020603050405020304" pitchFamily="18" charset="0"/>
-              </a:rPr>
-              <a:t> </a:t>
-            </a:r>
-            <a:r>
-              <a:rPr lang="ru-RU" sz="2400" b="1" i="0" dirty="0" err="1">
-                <a:effectLst/>
-                <a:latin typeface="Times New Roman" panose="02020603050405020304" pitchFamily="18" charset="0"/>
-                <a:cs typeface="Times New Roman" panose="02020603050405020304" pitchFamily="18" charset="0"/>
-              </a:rPr>
-              <a:t>своїх</a:t>
-            </a:r>
-            <a:r>
-              <a:rPr lang="ru-RU" sz="2400" b="1" i="0" dirty="0">
-                <a:effectLst/>
-                <a:latin typeface="Times New Roman" panose="02020603050405020304" pitchFamily="18" charset="0"/>
-                <a:cs typeface="Times New Roman" panose="02020603050405020304" pitchFamily="18" charset="0"/>
-              </a:rPr>
-              <a:t> </a:t>
-            </a:r>
-            <a:r>
-              <a:rPr lang="ru-RU" sz="2400" b="1" i="0" dirty="0" err="1">
-                <a:effectLst/>
-                <a:latin typeface="Times New Roman" panose="02020603050405020304" pitchFamily="18" charset="0"/>
-                <a:cs typeface="Times New Roman" panose="02020603050405020304" pitchFamily="18" charset="0"/>
-              </a:rPr>
-              <a:t>елементів</a:t>
-            </a:r>
-            <a:r>
-              <a:rPr lang="ru-RU" sz="2400" b="0" i="0" dirty="0">
-                <a:effectLst/>
-                <a:latin typeface="Times New Roman" panose="02020603050405020304" pitchFamily="18" charset="0"/>
-                <a:cs typeface="Times New Roman" panose="02020603050405020304" pitchFamily="18" charset="0"/>
-              </a:rPr>
-              <a:t>. Можете бути </a:t>
-            </a:r>
-            <a:r>
-              <a:rPr lang="ru-RU" sz="2400" b="0" i="0" dirty="0" err="1">
-                <a:effectLst/>
-                <a:latin typeface="Times New Roman" panose="02020603050405020304" pitchFamily="18" charset="0"/>
-                <a:cs typeface="Times New Roman" panose="02020603050405020304" pitchFamily="18" charset="0"/>
-              </a:rPr>
-              <a:t>спокійні</a:t>
-            </a:r>
-            <a:r>
-              <a:rPr lang="ru-RU" sz="2400" b="0" i="0" dirty="0">
-                <a:effectLst/>
-                <a:latin typeface="Times New Roman" panose="02020603050405020304" pitchFamily="18" charset="0"/>
-                <a:cs typeface="Times New Roman" panose="02020603050405020304" pitchFamily="18" charset="0"/>
-              </a:rPr>
-              <a:t> - </a:t>
-            </a:r>
-            <a:r>
-              <a:rPr lang="ru-RU" sz="2400" b="0" i="0" dirty="0" err="1">
-                <a:effectLst/>
-                <a:latin typeface="Times New Roman" panose="02020603050405020304" pitchFamily="18" charset="0"/>
-                <a:cs typeface="Times New Roman" panose="02020603050405020304" pitchFamily="18" charset="0"/>
-              </a:rPr>
-              <a:t>дублюватись</a:t>
-            </a:r>
-            <a:r>
-              <a:rPr lang="ru-RU" sz="2400" b="0" i="0" dirty="0">
-                <a:effectLst/>
-                <a:latin typeface="Times New Roman" panose="02020603050405020304" pitchFamily="18" charset="0"/>
-                <a:cs typeface="Times New Roman" panose="02020603050405020304" pitchFamily="18" charset="0"/>
-              </a:rPr>
-              <a:t> у </a:t>
-            </a:r>
-            <a:r>
-              <a:rPr lang="ru-RU" sz="2400" b="0" i="0" dirty="0" err="1">
-                <a:effectLst/>
-                <a:latin typeface="Times New Roman" panose="02020603050405020304" pitchFamily="18" charset="0"/>
-                <a:cs typeface="Times New Roman" panose="02020603050405020304" pitchFamily="18" charset="0"/>
-              </a:rPr>
-              <a:t>множинах</a:t>
-            </a:r>
-            <a:r>
-              <a:rPr lang="ru-RU" sz="2400" b="0" i="0" dirty="0">
-                <a:effectLst/>
-                <a:latin typeface="Times New Roman" panose="02020603050405020304" pitchFamily="18" charset="0"/>
-                <a:cs typeface="Times New Roman" panose="02020603050405020304" pitchFamily="18" charset="0"/>
-              </a:rPr>
-              <a:t> </a:t>
-            </a:r>
-            <a:r>
-              <a:rPr lang="ru-RU" sz="2400" b="0" i="0" dirty="0" err="1">
-                <a:effectLst/>
-                <a:latin typeface="Times New Roman" panose="02020603050405020304" pitchFamily="18" charset="0"/>
-                <a:cs typeface="Times New Roman" panose="02020603050405020304" pitchFamily="18" charset="0"/>
-              </a:rPr>
-              <a:t>нічого</a:t>
-            </a:r>
-            <a:r>
-              <a:rPr lang="ru-RU" sz="2400" b="0" i="0" dirty="0">
-                <a:effectLst/>
-                <a:latin typeface="Times New Roman" panose="02020603050405020304" pitchFamily="18" charset="0"/>
-                <a:cs typeface="Times New Roman" panose="02020603050405020304" pitchFamily="18" charset="0"/>
-              </a:rPr>
-              <a:t> не буде.</a:t>
-            </a:r>
-            <a:endParaRPr lang="uk-UA" sz="2400" dirty="0">
-              <a:latin typeface="Times New Roman" panose="02020603050405020304" pitchFamily="18" charset="0"/>
-              <a:cs typeface="Times New Roman" panose="02020603050405020304" pitchFamily="18" charset="0"/>
-            </a:endParaRPr>
-          </a:p>
-        </p:txBody>
-      </p:sp>
     </p:spTree>
     <p:extLst>
       <p:ext uri="{BB962C8B-B14F-4D97-AF65-F5344CB8AC3E}">
-        <p14:creationId xmlns:p14="http://schemas.microsoft.com/office/powerpoint/2010/main" val="1654189012"/>
+        <p14:creationId xmlns:p14="http://schemas.microsoft.com/office/powerpoint/2010/main" val="714484875"/>
       </p:ext>
     </p:extLst>
   </p:cSld>
@@ -23764,7 +23355,7 @@
           <a:graphicData uri="http://schemas.openxmlformats.org/presentationml/2006/ole">
             <mc:AlternateContent xmlns:mc="http://schemas.openxmlformats.org/markup-compatibility/2006">
               <mc:Choice xmlns:v="urn:schemas-microsoft-com:vml" Requires="v">
-                <p:oleObj spid="_x0000_s4110" name="Visio" r:id="rId3" imgW="781090" imgH="752662" progId="Visio.Drawing.11">
+                <p:oleObj spid="_x0000_s4116" name="Visio" r:id="rId3" imgW="781090" imgH="752662" progId="Visio.Drawing.11">
                   <p:embed/>
                 </p:oleObj>
               </mc:Choice>
@@ -23841,7 +23432,7 @@
           <a:graphicData uri="http://schemas.openxmlformats.org/presentationml/2006/ole">
             <mc:AlternateContent xmlns:mc="http://schemas.openxmlformats.org/markup-compatibility/2006">
               <mc:Choice xmlns:v="urn:schemas-microsoft-com:vml" Requires="v">
-                <p:oleObj spid="_x0000_s4111" name="Visio" r:id="rId5" imgW="3762286" imgH="1495599" progId="Visio.Drawing.11">
+                <p:oleObj spid="_x0000_s4117" name="Visio" r:id="rId5" imgW="3762286" imgH="1495599" progId="Visio.Drawing.11">
                   <p:embed/>
                 </p:oleObj>
               </mc:Choice>
@@ -24105,7 +23696,7 @@
           <a:graphicData uri="http://schemas.openxmlformats.org/presentationml/2006/ole">
             <mc:AlternateContent xmlns:mc="http://schemas.openxmlformats.org/markup-compatibility/2006">
               <mc:Choice xmlns:v="urn:schemas-microsoft-com:vml" Requires="v">
-                <p:oleObj spid="_x0000_s4112" name="Visio" r:id="rId7" imgW="4010297" imgH="1495599" progId="Visio.Drawing.11">
+                <p:oleObj spid="_x0000_s4118" name="Visio" r:id="rId7" imgW="4010297" imgH="1495599" progId="Visio.Drawing.11">
                   <p:embed/>
                 </p:oleObj>
               </mc:Choice>
@@ -24369,7 +23960,7 @@
           <a:graphicData uri="http://schemas.openxmlformats.org/presentationml/2006/ole">
             <mc:AlternateContent xmlns:mc="http://schemas.openxmlformats.org/markup-compatibility/2006">
               <mc:Choice xmlns:v="urn:schemas-microsoft-com:vml" Requires="v">
-                <p:oleObj spid="_x0000_s4113" name="Visio" r:id="rId9" imgW="781090" imgH="752662" progId="Visio.Drawing.11">
+                <p:oleObj spid="_x0000_s4119" name="Visio" r:id="rId9" imgW="781090" imgH="752662" progId="Visio.Drawing.11">
                   <p:embed/>
                 </p:oleObj>
               </mc:Choice>
@@ -24446,7 +24037,7 @@
           <a:graphicData uri="http://schemas.openxmlformats.org/presentationml/2006/ole">
             <mc:AlternateContent xmlns:mc="http://schemas.openxmlformats.org/markup-compatibility/2006">
               <mc:Choice xmlns:v="urn:schemas-microsoft-com:vml" Requires="v">
-                <p:oleObj spid="_x0000_s4114" name="Visio" r:id="rId11" imgW="3762286" imgH="1495599" progId="Visio.Drawing.11">
+                <p:oleObj spid="_x0000_s4120" name="Visio" r:id="rId11" imgW="3762286" imgH="1495599" progId="Visio.Drawing.11">
                   <p:embed/>
                 </p:oleObj>
               </mc:Choice>
@@ -24778,7 +24369,7 @@
           <a:graphicData uri="http://schemas.openxmlformats.org/presentationml/2006/ole">
             <mc:AlternateContent xmlns:mc="http://schemas.openxmlformats.org/markup-compatibility/2006">
               <mc:Choice xmlns:v="urn:schemas-microsoft-com:vml" Requires="v">
-                <p:oleObj spid="_x0000_s4115" name="Visio" r:id="rId13" imgW="781090" imgH="752662" progId="Visio.Drawing.11">
+                <p:oleObj spid="_x0000_s4121" name="Visio" r:id="rId13" imgW="781090" imgH="752662" progId="Visio.Drawing.11">
                   <p:embed/>
                 </p:oleObj>
               </mc:Choice>
@@ -25108,6 +24699,518 @@
       </p:grpSpPr>
       <p:sp>
         <p:nvSpPr>
+          <p:cNvPr id="3" name="Объект 2">
+            <a:extLst>
+              <a:ext uri="{FF2B5EF4-FFF2-40B4-BE49-F238E27FC236}">
+                <a16:creationId xmlns:a16="http://schemas.microsoft.com/office/drawing/2014/main" id="{A79E34BC-82C5-42DB-96D1-DBACC8C4E42A}"/>
+              </a:ext>
+            </a:extLst>
+          </p:cNvPr>
+          <p:cNvSpPr>
+            <a:spLocks noGrp="1"/>
+          </p:cNvSpPr>
+          <p:nvPr>
+            <p:ph idx="1"/>
+          </p:nvPr>
+        </p:nvSpPr>
+        <p:spPr>
+          <a:xfrm>
+            <a:off x="659876" y="829559"/>
+            <a:ext cx="10693924" cy="5347404"/>
+          </a:xfrm>
+        </p:spPr>
+        <p:txBody>
+          <a:bodyPr/>
+          <a:lstStyle/>
+          <a:p>
+            <a:pPr marL="0" indent="0">
+              <a:buNone/>
+            </a:pPr>
+            <a:r>
+              <a:rPr lang="ru-RU" b="0" i="0" dirty="0" err="1">
+                <a:effectLst/>
+                <a:latin typeface="Times New Roman" panose="02020603050405020304" pitchFamily="18" charset="0"/>
+                <a:cs typeface="Times New Roman" panose="02020603050405020304" pitchFamily="18" charset="0"/>
+              </a:rPr>
+              <a:t>Якщо</a:t>
+            </a:r>
+            <a:r>
+              <a:rPr lang="ru-RU" b="0" i="0" dirty="0">
+                <a:effectLst/>
+                <a:latin typeface="Times New Roman" panose="02020603050405020304" pitchFamily="18" charset="0"/>
+                <a:cs typeface="Times New Roman" panose="02020603050405020304" pitchFamily="18" charset="0"/>
+              </a:rPr>
+              <a:t> ми </a:t>
+            </a:r>
+            <a:r>
+              <a:rPr lang="ru-RU" b="0" i="0" dirty="0" err="1">
+                <a:effectLst/>
+                <a:latin typeface="Times New Roman" panose="02020603050405020304" pitchFamily="18" charset="0"/>
+                <a:cs typeface="Times New Roman" panose="02020603050405020304" pitchFamily="18" charset="0"/>
+              </a:rPr>
+              <a:t>спробуємо</a:t>
+            </a:r>
+            <a:r>
+              <a:rPr lang="ru-RU" b="0" i="0" dirty="0">
+                <a:effectLst/>
+                <a:latin typeface="Times New Roman" panose="02020603050405020304" pitchFamily="18" charset="0"/>
+                <a:cs typeface="Times New Roman" panose="02020603050405020304" pitchFamily="18" charset="0"/>
+              </a:rPr>
+              <a:t> </a:t>
+            </a:r>
+            <a:r>
+              <a:rPr lang="ru-RU" b="0" i="0" dirty="0" err="1">
+                <a:effectLst/>
+                <a:latin typeface="Times New Roman" panose="02020603050405020304" pitchFamily="18" charset="0"/>
+                <a:cs typeface="Times New Roman" panose="02020603050405020304" pitchFamily="18" charset="0"/>
+              </a:rPr>
+              <a:t>додати</a:t>
+            </a:r>
+            <a:r>
+              <a:rPr lang="ru-RU" b="0" i="0" dirty="0">
+                <a:effectLst/>
+                <a:latin typeface="Times New Roman" panose="02020603050405020304" pitchFamily="18" charset="0"/>
+                <a:cs typeface="Times New Roman" panose="02020603050405020304" pitchFamily="18" charset="0"/>
+              </a:rPr>
+              <a:t> </a:t>
+            </a:r>
+            <a:r>
+              <a:rPr lang="ru-RU" b="0" i="0" dirty="0" err="1">
+                <a:effectLst/>
+                <a:latin typeface="Times New Roman" panose="02020603050405020304" pitchFamily="18" charset="0"/>
+                <a:cs typeface="Times New Roman" panose="02020603050405020304" pitchFamily="18" charset="0"/>
+              </a:rPr>
+              <a:t>туди</a:t>
+            </a:r>
+            <a:r>
+              <a:rPr lang="ru-RU" b="0" i="0" dirty="0">
+                <a:effectLst/>
+                <a:latin typeface="Times New Roman" panose="02020603050405020304" pitchFamily="18" charset="0"/>
+                <a:cs typeface="Times New Roman" panose="02020603050405020304" pitchFamily="18" charset="0"/>
+              </a:rPr>
+              <a:t> </a:t>
+            </a:r>
+            <a:r>
+              <a:rPr lang="ru-RU" b="0" i="0" dirty="0" err="1">
+                <a:effectLst/>
+                <a:latin typeface="Times New Roman" panose="02020603050405020304" pitchFamily="18" charset="0"/>
+                <a:cs typeface="Times New Roman" panose="02020603050405020304" pitchFamily="18" charset="0"/>
+              </a:rPr>
+              <a:t>одиницю</a:t>
+            </a:r>
+            <a:r>
+              <a:rPr lang="ru-RU" b="0" i="0" dirty="0">
+                <a:effectLst/>
+                <a:latin typeface="Times New Roman" panose="02020603050405020304" pitchFamily="18" charset="0"/>
+                <a:cs typeface="Times New Roman" panose="02020603050405020304" pitchFamily="18" charset="0"/>
+              </a:rPr>
+              <a:t>, у нас не </a:t>
+            </a:r>
+            <a:r>
+              <a:rPr lang="ru-RU" b="0" i="0" dirty="0" err="1">
+                <a:effectLst/>
+                <a:latin typeface="Times New Roman" panose="02020603050405020304" pitchFamily="18" charset="0"/>
+                <a:cs typeface="Times New Roman" panose="02020603050405020304" pitchFamily="18" charset="0"/>
+              </a:rPr>
+              <a:t>вийде</a:t>
+            </a:r>
+            <a:r>
+              <a:rPr lang="ru-RU" b="0" i="0" dirty="0">
+                <a:effectLst/>
+                <a:latin typeface="Times New Roman" panose="02020603050405020304" pitchFamily="18" charset="0"/>
+                <a:cs typeface="Times New Roman" panose="02020603050405020304" pitchFamily="18" charset="0"/>
+              </a:rPr>
+              <a:t> - тому </a:t>
+            </a:r>
+            <a:r>
+              <a:rPr lang="ru-RU" b="0" i="0" dirty="0" err="1">
+                <a:effectLst/>
+                <a:latin typeface="Times New Roman" panose="02020603050405020304" pitchFamily="18" charset="0"/>
+                <a:cs typeface="Times New Roman" panose="02020603050405020304" pitchFamily="18" charset="0"/>
+              </a:rPr>
+              <a:t>що</a:t>
+            </a:r>
+            <a:r>
+              <a:rPr lang="ru-RU" b="0" i="0" dirty="0">
+                <a:effectLst/>
+                <a:latin typeface="Times New Roman" panose="02020603050405020304" pitchFamily="18" charset="0"/>
+                <a:cs typeface="Times New Roman" panose="02020603050405020304" pitchFamily="18" charset="0"/>
+              </a:rPr>
+              <a:t> в </a:t>
+            </a:r>
+            <a:r>
+              <a:rPr lang="ru-RU" b="0" i="0" dirty="0" err="1">
+                <a:effectLst/>
+                <a:latin typeface="Times New Roman" panose="02020603050405020304" pitchFamily="18" charset="0"/>
+                <a:cs typeface="Times New Roman" panose="02020603050405020304" pitchFamily="18" charset="0"/>
+              </a:rPr>
+              <a:t>більшості</a:t>
+            </a:r>
+            <a:r>
+              <a:rPr lang="ru-RU" b="0" i="0" dirty="0">
+                <a:effectLst/>
+                <a:latin typeface="Times New Roman" panose="02020603050405020304" pitchFamily="18" charset="0"/>
+                <a:cs typeface="Times New Roman" panose="02020603050405020304" pitchFamily="18" charset="0"/>
+              </a:rPr>
+              <a:t> </a:t>
+            </a:r>
+            <a:r>
+              <a:rPr lang="ru-RU" b="0" i="0" dirty="0" err="1">
+                <a:effectLst/>
+                <a:latin typeface="Times New Roman" panose="02020603050405020304" pitchFamily="18" charset="0"/>
+                <a:cs typeface="Times New Roman" panose="02020603050405020304" pitchFamily="18" charset="0"/>
+              </a:rPr>
+              <a:t>вже</a:t>
+            </a:r>
+            <a:r>
+              <a:rPr lang="ru-RU" b="0" i="0" dirty="0">
+                <a:effectLst/>
+                <a:latin typeface="Times New Roman" panose="02020603050405020304" pitchFamily="18" charset="0"/>
+                <a:cs typeface="Times New Roman" panose="02020603050405020304" pitchFamily="18" charset="0"/>
+              </a:rPr>
+              <a:t> є </a:t>
+            </a:r>
+            <a:r>
+              <a:rPr lang="ru-RU" b="0" i="0" dirty="0" err="1">
+                <a:effectLst/>
+                <a:latin typeface="Times New Roman" panose="02020603050405020304" pitchFamily="18" charset="0"/>
+                <a:cs typeface="Times New Roman" panose="02020603050405020304" pitchFamily="18" charset="0"/>
+              </a:rPr>
+              <a:t>одиниця</a:t>
+            </a:r>
+            <a:r>
+              <a:rPr lang="ru-RU" b="0" i="0" dirty="0">
+                <a:effectLst/>
+                <a:latin typeface="Times New Roman" panose="02020603050405020304" pitchFamily="18" charset="0"/>
+                <a:cs typeface="Times New Roman" panose="02020603050405020304" pitchFamily="18" charset="0"/>
+              </a:rPr>
+              <a:t>:</a:t>
+            </a:r>
+            <a:endParaRPr lang="uk-UA" dirty="0">
+              <a:latin typeface="Times New Roman" panose="02020603050405020304" pitchFamily="18" charset="0"/>
+              <a:cs typeface="Times New Roman" panose="02020603050405020304" pitchFamily="18" charset="0"/>
+            </a:endParaRPr>
+          </a:p>
+        </p:txBody>
+      </p:sp>
+      <p:sp>
+        <p:nvSpPr>
+          <p:cNvPr id="4" name="Заголовок 1">
+            <a:extLst>
+              <a:ext uri="{FF2B5EF4-FFF2-40B4-BE49-F238E27FC236}">
+                <a16:creationId xmlns:a16="http://schemas.microsoft.com/office/drawing/2014/main" id="{A29FC11B-F8F9-476D-9FBD-07CBAE202736}"/>
+              </a:ext>
+            </a:extLst>
+          </p:cNvPr>
+          <p:cNvSpPr txBox="1">
+            <a:spLocks/>
+          </p:cNvSpPr>
+          <p:nvPr/>
+        </p:nvSpPr>
+        <p:spPr>
+          <a:xfrm>
+            <a:off x="0" y="1"/>
+            <a:ext cx="12192000" cy="603314"/>
+          </a:xfrm>
+          <a:prstGeom prst="rect">
+            <a:avLst/>
+          </a:prstGeom>
+        </p:spPr>
+        <p:txBody>
+          <a:bodyPr vert="horz" lIns="91440" tIns="45720" rIns="91440" bIns="45720" rtlCol="0" anchor="ctr">
+            <a:noAutofit/>
+          </a:bodyPr>
+          <a:lstStyle>
+            <a:lvl1pPr algn="l" defTabSz="914400" rtl="0" eaLnBrk="1" latinLnBrk="0" hangingPunct="1">
+              <a:lnSpc>
+                <a:spcPct val="90000"/>
+              </a:lnSpc>
+              <a:spcBef>
+                <a:spcPct val="0"/>
+              </a:spcBef>
+              <a:buNone/>
+              <a:defRPr sz="4400" kern="1200">
+                <a:solidFill>
+                  <a:schemeClr val="tx1"/>
+                </a:solidFill>
+                <a:latin typeface="+mj-lt"/>
+                <a:ea typeface="+mj-ea"/>
+                <a:cs typeface="+mj-cs"/>
+              </a:defRPr>
+            </a:lvl1pPr>
+          </a:lstStyle>
+          <a:p>
+            <a:pPr algn="ctr"/>
+            <a:r>
+              <a:rPr lang="uk-UA">
+                <a:latin typeface="Times New Roman" panose="02020603050405020304" pitchFamily="18" charset="0"/>
+                <a:cs typeface="Times New Roman" panose="02020603050405020304" pitchFamily="18" charset="0"/>
+              </a:rPr>
+              <a:t>Що таке множина (</a:t>
+            </a:r>
+            <a:r>
+              <a:rPr lang="en-US">
+                <a:latin typeface="Times New Roman" panose="02020603050405020304" pitchFamily="18" charset="0"/>
+                <a:cs typeface="Times New Roman" panose="02020603050405020304" pitchFamily="18" charset="0"/>
+              </a:rPr>
+              <a:t>Set) </a:t>
+            </a:r>
+            <a:endParaRPr lang="uk-UA" dirty="0">
+              <a:latin typeface="Times New Roman" panose="02020603050405020304" pitchFamily="18" charset="0"/>
+              <a:cs typeface="Times New Roman" panose="02020603050405020304" pitchFamily="18" charset="0"/>
+            </a:endParaRPr>
+          </a:p>
+        </p:txBody>
+      </p:sp>
+      <p:pic>
+        <p:nvPicPr>
+          <p:cNvPr id="6" name="Рисунок 5">
+            <a:extLst>
+              <a:ext uri="{FF2B5EF4-FFF2-40B4-BE49-F238E27FC236}">
+                <a16:creationId xmlns:a16="http://schemas.microsoft.com/office/drawing/2014/main" id="{8DB2E294-83AF-4BBD-810E-E18867672A15}"/>
+              </a:ext>
+            </a:extLst>
+          </p:cNvPr>
+          <p:cNvPicPr>
+            <a:picLocks noChangeAspect="1"/>
+          </p:cNvPicPr>
+          <p:nvPr/>
+        </p:nvPicPr>
+        <p:blipFill>
+          <a:blip r:embed="rId2"/>
+          <a:stretch>
+            <a:fillRect/>
+          </a:stretch>
+        </p:blipFill>
+        <p:spPr>
+          <a:xfrm>
+            <a:off x="659876" y="2169306"/>
+            <a:ext cx="3965494" cy="2519388"/>
+          </a:xfrm>
+          <a:prstGeom prst="rect">
+            <a:avLst/>
+          </a:prstGeom>
+        </p:spPr>
+      </p:pic>
+      <p:sp>
+        <p:nvSpPr>
+          <p:cNvPr id="8" name="TextBox 7">
+            <a:extLst>
+              <a:ext uri="{FF2B5EF4-FFF2-40B4-BE49-F238E27FC236}">
+                <a16:creationId xmlns:a16="http://schemas.microsoft.com/office/drawing/2014/main" id="{7CF93E29-6587-45B5-AD57-0BF9FF1547E2}"/>
+              </a:ext>
+            </a:extLst>
+          </p:cNvPr>
+          <p:cNvSpPr txBox="1"/>
+          <p:nvPr/>
+        </p:nvSpPr>
+        <p:spPr>
+          <a:xfrm>
+            <a:off x="659876" y="5018144"/>
+            <a:ext cx="10058400" cy="830997"/>
+          </a:xfrm>
+          <a:prstGeom prst="rect">
+            <a:avLst/>
+          </a:prstGeom>
+          <a:noFill/>
+        </p:spPr>
+        <p:txBody>
+          <a:bodyPr wrap="square">
+            <a:spAutoFit/>
+          </a:bodyPr>
+          <a:lstStyle/>
+          <a:p>
+            <a:r>
+              <a:rPr lang="ru-RU" sz="2400" b="0" i="0" dirty="0">
+                <a:effectLst/>
+                <a:latin typeface="Times New Roman" panose="02020603050405020304" pitchFamily="18" charset="0"/>
+                <a:cs typeface="Times New Roman" panose="02020603050405020304" pitchFamily="18" charset="0"/>
+              </a:rPr>
+              <a:t>Таким чином, </a:t>
+            </a:r>
+            <a:r>
+              <a:rPr lang="ru-RU" sz="2400" b="0" i="0" dirty="0" err="1">
+                <a:effectLst/>
+                <a:latin typeface="Times New Roman" panose="02020603050405020304" pitchFamily="18" charset="0"/>
+                <a:cs typeface="Times New Roman" panose="02020603050405020304" pitchFamily="18" charset="0"/>
+              </a:rPr>
+              <a:t>множина</a:t>
+            </a:r>
+            <a:r>
+              <a:rPr lang="ru-RU" sz="2400" b="0" i="0" dirty="0">
+                <a:effectLst/>
+                <a:latin typeface="Times New Roman" panose="02020603050405020304" pitchFamily="18" charset="0"/>
+                <a:cs typeface="Times New Roman" panose="02020603050405020304" pitchFamily="18" charset="0"/>
+              </a:rPr>
+              <a:t> </a:t>
+            </a:r>
+            <a:r>
+              <a:rPr lang="ru-RU" sz="2400" b="1" i="0" dirty="0" err="1">
+                <a:effectLst/>
+                <a:latin typeface="Times New Roman" panose="02020603050405020304" pitchFamily="18" charset="0"/>
+                <a:cs typeface="Times New Roman" panose="02020603050405020304" pitchFamily="18" charset="0"/>
+              </a:rPr>
+              <a:t>забезпечує</a:t>
+            </a:r>
+            <a:r>
+              <a:rPr lang="ru-RU" sz="2400" b="0" i="0" dirty="0">
+                <a:effectLst/>
+                <a:latin typeface="Times New Roman" panose="02020603050405020304" pitchFamily="18" charset="0"/>
+                <a:cs typeface="Times New Roman" panose="02020603050405020304" pitchFamily="18" charset="0"/>
+              </a:rPr>
+              <a:t> </a:t>
+            </a:r>
+            <a:r>
+              <a:rPr lang="ru-RU" sz="2400" b="1" i="0" dirty="0" err="1">
+                <a:effectLst/>
+                <a:latin typeface="Times New Roman" panose="02020603050405020304" pitchFamily="18" charset="0"/>
+                <a:cs typeface="Times New Roman" panose="02020603050405020304" pitchFamily="18" charset="0"/>
+              </a:rPr>
+              <a:t>унікальність</a:t>
+            </a:r>
+            <a:r>
+              <a:rPr lang="ru-RU" sz="2400" b="1" i="0" dirty="0">
+                <a:effectLst/>
+                <a:latin typeface="Times New Roman" panose="02020603050405020304" pitchFamily="18" charset="0"/>
+                <a:cs typeface="Times New Roman" panose="02020603050405020304" pitchFamily="18" charset="0"/>
+              </a:rPr>
+              <a:t> </a:t>
+            </a:r>
+            <a:r>
+              <a:rPr lang="ru-RU" sz="2400" b="1" i="0" dirty="0" err="1">
+                <a:effectLst/>
+                <a:latin typeface="Times New Roman" panose="02020603050405020304" pitchFamily="18" charset="0"/>
+                <a:cs typeface="Times New Roman" panose="02020603050405020304" pitchFamily="18" charset="0"/>
+              </a:rPr>
+              <a:t>своїх</a:t>
+            </a:r>
+            <a:r>
+              <a:rPr lang="ru-RU" sz="2400" b="1" i="0" dirty="0">
+                <a:effectLst/>
+                <a:latin typeface="Times New Roman" panose="02020603050405020304" pitchFamily="18" charset="0"/>
+                <a:cs typeface="Times New Roman" panose="02020603050405020304" pitchFamily="18" charset="0"/>
+              </a:rPr>
+              <a:t> </a:t>
+            </a:r>
+            <a:r>
+              <a:rPr lang="ru-RU" sz="2400" b="1" i="0" dirty="0" err="1">
+                <a:effectLst/>
+                <a:latin typeface="Times New Roman" panose="02020603050405020304" pitchFamily="18" charset="0"/>
+                <a:cs typeface="Times New Roman" panose="02020603050405020304" pitchFamily="18" charset="0"/>
+              </a:rPr>
+              <a:t>елементів</a:t>
+            </a:r>
+            <a:r>
+              <a:rPr lang="ru-RU" sz="2400" b="0" i="0" dirty="0">
+                <a:effectLst/>
+                <a:latin typeface="Times New Roman" panose="02020603050405020304" pitchFamily="18" charset="0"/>
+                <a:cs typeface="Times New Roman" panose="02020603050405020304" pitchFamily="18" charset="0"/>
+              </a:rPr>
+              <a:t>. Можете бути </a:t>
+            </a:r>
+            <a:r>
+              <a:rPr lang="ru-RU" sz="2400" b="0" i="0" dirty="0" err="1">
+                <a:effectLst/>
+                <a:latin typeface="Times New Roman" panose="02020603050405020304" pitchFamily="18" charset="0"/>
+                <a:cs typeface="Times New Roman" panose="02020603050405020304" pitchFamily="18" charset="0"/>
+              </a:rPr>
+              <a:t>спокійні</a:t>
+            </a:r>
+            <a:r>
+              <a:rPr lang="ru-RU" sz="2400" b="0" i="0" dirty="0">
+                <a:effectLst/>
+                <a:latin typeface="Times New Roman" panose="02020603050405020304" pitchFamily="18" charset="0"/>
+                <a:cs typeface="Times New Roman" panose="02020603050405020304" pitchFamily="18" charset="0"/>
+              </a:rPr>
+              <a:t> - </a:t>
+            </a:r>
+            <a:r>
+              <a:rPr lang="ru-RU" sz="2400" b="0" i="0" dirty="0" err="1">
+                <a:effectLst/>
+                <a:latin typeface="Times New Roman" panose="02020603050405020304" pitchFamily="18" charset="0"/>
+                <a:cs typeface="Times New Roman" panose="02020603050405020304" pitchFamily="18" charset="0"/>
+              </a:rPr>
+              <a:t>дублюватись</a:t>
+            </a:r>
+            <a:r>
+              <a:rPr lang="ru-RU" sz="2400" b="0" i="0" dirty="0">
+                <a:effectLst/>
+                <a:latin typeface="Times New Roman" panose="02020603050405020304" pitchFamily="18" charset="0"/>
+                <a:cs typeface="Times New Roman" panose="02020603050405020304" pitchFamily="18" charset="0"/>
+              </a:rPr>
+              <a:t> у </a:t>
+            </a:r>
+            <a:r>
+              <a:rPr lang="ru-RU" sz="2400" b="0" i="0" dirty="0" err="1">
+                <a:effectLst/>
+                <a:latin typeface="Times New Roman" panose="02020603050405020304" pitchFamily="18" charset="0"/>
+                <a:cs typeface="Times New Roman" panose="02020603050405020304" pitchFamily="18" charset="0"/>
+              </a:rPr>
+              <a:t>множинах</a:t>
+            </a:r>
+            <a:r>
+              <a:rPr lang="ru-RU" sz="2400" b="0" i="0" dirty="0">
+                <a:effectLst/>
+                <a:latin typeface="Times New Roman" panose="02020603050405020304" pitchFamily="18" charset="0"/>
+                <a:cs typeface="Times New Roman" panose="02020603050405020304" pitchFamily="18" charset="0"/>
+              </a:rPr>
+              <a:t> </a:t>
+            </a:r>
+            <a:r>
+              <a:rPr lang="ru-RU" sz="2400" b="0" i="0" dirty="0" err="1">
+                <a:effectLst/>
+                <a:latin typeface="Times New Roman" panose="02020603050405020304" pitchFamily="18" charset="0"/>
+                <a:cs typeface="Times New Roman" panose="02020603050405020304" pitchFamily="18" charset="0"/>
+              </a:rPr>
+              <a:t>нічого</a:t>
+            </a:r>
+            <a:r>
+              <a:rPr lang="ru-RU" sz="2400" b="0" i="0" dirty="0">
+                <a:effectLst/>
+                <a:latin typeface="Times New Roman" panose="02020603050405020304" pitchFamily="18" charset="0"/>
+                <a:cs typeface="Times New Roman" panose="02020603050405020304" pitchFamily="18" charset="0"/>
+              </a:rPr>
+              <a:t> не буде.</a:t>
+            </a:r>
+            <a:endParaRPr lang="uk-UA" sz="2400" dirty="0">
+              <a:latin typeface="Times New Roman" panose="02020603050405020304" pitchFamily="18" charset="0"/>
+              <a:cs typeface="Times New Roman" panose="02020603050405020304" pitchFamily="18" charset="0"/>
+            </a:endParaRPr>
+          </a:p>
+        </p:txBody>
+      </p:sp>
+    </p:spTree>
+    <p:extLst>
+      <p:ext uri="{BB962C8B-B14F-4D97-AF65-F5344CB8AC3E}">
+        <p14:creationId xmlns:p14="http://schemas.microsoft.com/office/powerpoint/2010/main" val="1654189012"/>
+      </p:ext>
+    </p:extLst>
+  </p:cSld>
+  <p:clrMapOvr>
+    <a:masterClrMapping/>
+  </p:clrMapOvr>
+</p:sld>
+</file>
+
+<file path=ppt/slides/slide5.xml><?xml version="1.0" encoding="utf-8"?>
+<p:sld xmlns:a="http://schemas.openxmlformats.org/drawingml/2006/main" xmlns:r="http://schemas.openxmlformats.org/officeDocument/2006/relationships" xmlns:p="http://schemas.openxmlformats.org/presentationml/2006/main">
+  <p:cSld>
+    <p:spTree>
+      <p:nvGrpSpPr>
+        <p:cNvPr id="1" name=""/>
+        <p:cNvGrpSpPr/>
+        <p:nvPr/>
+      </p:nvGrpSpPr>
+      <p:grpSpPr>
+        <a:xfrm>
+          <a:off x="0" y="0"/>
+          <a:ext cx="0" cy="0"/>
+          <a:chOff x="0" y="0"/>
+          <a:chExt cx="0" cy="0"/>
+        </a:xfrm>
+      </p:grpSpPr>
+      <p:sp>
+        <p:nvSpPr>
           <p:cNvPr id="227330" name="Заголовок 1"/>
           <p:cNvSpPr>
             <a:spLocks noGrp="1"/>
@@ -25523,7 +25626,7 @@
 </p:sld>
 </file>
 
-<file path=ppt/slides/slide5.xml><?xml version="1.0" encoding="utf-8"?>
+<file path=ppt/slides/slide6.xml><?xml version="1.0" encoding="utf-8"?>
 <p:sld xmlns:a="http://schemas.openxmlformats.org/drawingml/2006/main" xmlns:r="http://schemas.openxmlformats.org/officeDocument/2006/relationships" xmlns:p="http://schemas.openxmlformats.org/presentationml/2006/main">
   <p:cSld>
     <p:spTree>
@@ -26108,7 +26211,7 @@
 </p:sld>
 </file>
 
-<file path=ppt/slides/slide6.xml><?xml version="1.0" encoding="utf-8"?>
+<file path=ppt/slides/slide7.xml><?xml version="1.0" encoding="utf-8"?>
 <p:sld xmlns:a="http://schemas.openxmlformats.org/drawingml/2006/main" xmlns:r="http://schemas.openxmlformats.org/officeDocument/2006/relationships" xmlns:p="http://schemas.openxmlformats.org/presentationml/2006/main">
   <p:cSld>
     <p:spTree>
@@ -26367,7 +26470,7 @@
 </p:sld>
 </file>
 
-<file path=ppt/slides/slide7.xml><?xml version="1.0" encoding="utf-8"?>
+<file path=ppt/slides/slide8.xml><?xml version="1.0" encoding="utf-8"?>
 <p:sld xmlns:a="http://schemas.openxmlformats.org/drawingml/2006/main" xmlns:r="http://schemas.openxmlformats.org/officeDocument/2006/relationships" xmlns:p="http://schemas.openxmlformats.org/presentationml/2006/main">
   <p:cSld>
     <p:spTree>
@@ -26609,109 +26712,6 @@
     <p:extLst>
       <p:ext uri="{BB962C8B-B14F-4D97-AF65-F5344CB8AC3E}">
         <p14:creationId xmlns:p14="http://schemas.microsoft.com/office/powerpoint/2010/main" val="1299143677"/>
-      </p:ext>
-    </p:extLst>
-  </p:cSld>
-  <p:clrMapOvr>
-    <a:masterClrMapping/>
-  </p:clrMapOvr>
-</p:sld>
-</file>
-
-<file path=ppt/slides/slide8.xml><?xml version="1.0" encoding="utf-8"?>
-<p:sld xmlns:a="http://schemas.openxmlformats.org/drawingml/2006/main" xmlns:r="http://schemas.openxmlformats.org/officeDocument/2006/relationships" xmlns:p="http://schemas.openxmlformats.org/presentationml/2006/main">
-  <p:cSld>
-    <p:spTree>
-      <p:nvGrpSpPr>
-        <p:cNvPr id="1" name=""/>
-        <p:cNvGrpSpPr/>
-        <p:nvPr/>
-      </p:nvGrpSpPr>
-      <p:grpSpPr>
-        <a:xfrm>
-          <a:off x="0" y="0"/>
-          <a:ext cx="0" cy="0"/>
-          <a:chOff x="0" y="0"/>
-          <a:chExt cx="0" cy="0"/>
-        </a:xfrm>
-      </p:grpSpPr>
-      <p:pic>
-        <p:nvPicPr>
-          <p:cNvPr id="5" name="Рисунок 4">
-            <a:extLst>
-              <a:ext uri="{FF2B5EF4-FFF2-40B4-BE49-F238E27FC236}">
-                <a16:creationId xmlns:a16="http://schemas.microsoft.com/office/drawing/2014/main" id="{8E3959EE-865F-47E2-96DF-0FE19D5E729B}"/>
-              </a:ext>
-            </a:extLst>
-          </p:cNvPr>
-          <p:cNvPicPr>
-            <a:picLocks noChangeAspect="1"/>
-          </p:cNvPicPr>
-          <p:nvPr/>
-        </p:nvPicPr>
-        <p:blipFill>
-          <a:blip r:embed="rId2"/>
-          <a:stretch>
-            <a:fillRect/>
-          </a:stretch>
-        </p:blipFill>
-        <p:spPr>
-          <a:xfrm>
-            <a:off x="2147887" y="1385887"/>
-            <a:ext cx="7896225" cy="4086225"/>
-          </a:xfrm>
-          <a:prstGeom prst="rect">
-            <a:avLst/>
-          </a:prstGeom>
-        </p:spPr>
-      </p:pic>
-      <p:sp>
-        <p:nvSpPr>
-          <p:cNvPr id="6" name="Заголовок 1">
-            <a:extLst>
-              <a:ext uri="{FF2B5EF4-FFF2-40B4-BE49-F238E27FC236}">
-                <a16:creationId xmlns:a16="http://schemas.microsoft.com/office/drawing/2014/main" id="{61809A7A-4B9D-4EC5-A06F-4FC12406F07F}"/>
-              </a:ext>
-            </a:extLst>
-          </p:cNvPr>
-          <p:cNvSpPr>
-            <a:spLocks noGrp="1"/>
-          </p:cNvSpPr>
-          <p:nvPr>
-            <p:ph type="title"/>
-          </p:nvPr>
-        </p:nvSpPr>
-        <p:spPr>
-          <a:xfrm>
-            <a:off x="0" y="1"/>
-            <a:ext cx="12192000" cy="1065228"/>
-          </a:xfrm>
-        </p:spPr>
-        <p:txBody>
-          <a:bodyPr>
-            <a:normAutofit/>
-          </a:bodyPr>
-          <a:lstStyle/>
-          <a:p>
-            <a:pPr algn="ctr"/>
-            <a:r>
-              <a:rPr lang="en-US" sz="4000" b="1" dirty="0">
-                <a:latin typeface="Times New Roman" panose="02020603050405020304" pitchFamily="18" charset="0"/>
-                <a:cs typeface="Times New Roman" panose="02020603050405020304" pitchFamily="18" charset="0"/>
-              </a:rPr>
-              <a:t>HashSet</a:t>
-            </a:r>
-            <a:endParaRPr lang="uk-UA" sz="4000" dirty="0">
-              <a:latin typeface="Times New Roman" panose="02020603050405020304" pitchFamily="18" charset="0"/>
-              <a:cs typeface="Times New Roman" panose="02020603050405020304" pitchFamily="18" charset="0"/>
-            </a:endParaRPr>
-          </a:p>
-        </p:txBody>
-      </p:sp>
-    </p:spTree>
-    <p:extLst>
-      <p:ext uri="{BB962C8B-B14F-4D97-AF65-F5344CB8AC3E}">
-        <p14:creationId xmlns:p14="http://schemas.microsoft.com/office/powerpoint/2010/main" val="3457657643"/>
       </p:ext>
     </p:extLst>
   </p:cSld>

--- a/Java Урок 22 Колекції. Set.pptx
+++ b/Java Урок 22 Колекції. Set.pptx
@@ -9,12 +9,12 @@
   </p:notesMasterIdLst>
   <p:sldIdLst>
     <p:sldId id="342" r:id="rId2"/>
-    <p:sldId id="492" r:id="rId3"/>
-    <p:sldId id="487" r:id="rId4"/>
-    <p:sldId id="488" r:id="rId5"/>
-    <p:sldId id="315" r:id="rId6"/>
-    <p:sldId id="489" r:id="rId7"/>
-    <p:sldId id="490" r:id="rId8"/>
+    <p:sldId id="487" r:id="rId3"/>
+    <p:sldId id="488" r:id="rId4"/>
+    <p:sldId id="315" r:id="rId5"/>
+    <p:sldId id="489" r:id="rId6"/>
+    <p:sldId id="490" r:id="rId7"/>
+    <p:sldId id="492" r:id="rId8"/>
     <p:sldId id="491" r:id="rId9"/>
     <p:sldId id="493" r:id="rId10"/>
     <p:sldId id="494" r:id="rId11"/>
@@ -227,7 +227,7 @@
           <a:p>
             <a:fld id="{1A587122-F954-45A2-B526-3DAB22A17FAC}" type="datetimeFigureOut">
               <a:rPr lang="uk-UA" smtClean="0"/>
-              <a:t>28.02.2024</a:t>
+              <a:t>05.04.2024</a:t>
             </a:fld>
             <a:endParaRPr lang="uk-UA"/>
           </a:p>
@@ -569,7 +569,7 @@
             <a:fld id="{B17F7970-59C6-41CF-871B-3BD368FB3BBF}" type="slidenum">
               <a:rPr lang="de-DE" altLang="ru-RU" smtClean="0"/>
               <a:pPr/>
-              <a:t>5</a:t>
+              <a:t>4</a:t>
             </a:fld>
             <a:endParaRPr lang="de-DE" altLang="ru-RU"/>
           </a:p>
@@ -821,7 +821,7 @@
           <a:p>
             <a:fld id="{DEE79B58-12B9-457D-962F-8903052CF6F5}" type="datetimeFigureOut">
               <a:rPr lang="uk-UA" smtClean="0"/>
-              <a:t>28.02.2024</a:t>
+              <a:t>05.04.2024</a:t>
             </a:fld>
             <a:endParaRPr lang="uk-UA"/>
           </a:p>
@@ -1021,7 +1021,7 @@
           <a:p>
             <a:fld id="{DEE79B58-12B9-457D-962F-8903052CF6F5}" type="datetimeFigureOut">
               <a:rPr lang="uk-UA" smtClean="0"/>
-              <a:t>28.02.2024</a:t>
+              <a:t>05.04.2024</a:t>
             </a:fld>
             <a:endParaRPr lang="uk-UA"/>
           </a:p>
@@ -1231,7 +1231,7 @@
           <a:p>
             <a:fld id="{DEE79B58-12B9-457D-962F-8903052CF6F5}" type="datetimeFigureOut">
               <a:rPr lang="uk-UA" smtClean="0"/>
-              <a:t>28.02.2024</a:t>
+              <a:t>05.04.2024</a:t>
             </a:fld>
             <a:endParaRPr lang="uk-UA"/>
           </a:p>
@@ -1554,7 +1554,7 @@
           <a:p>
             <a:fld id="{DEE79B58-12B9-457D-962F-8903052CF6F5}" type="datetimeFigureOut">
               <a:rPr lang="uk-UA" smtClean="0"/>
-              <a:t>28.02.2024</a:t>
+              <a:t>05.04.2024</a:t>
             </a:fld>
             <a:endParaRPr lang="uk-UA"/>
           </a:p>
@@ -1830,7 +1830,7 @@
           <a:p>
             <a:fld id="{DEE79B58-12B9-457D-962F-8903052CF6F5}" type="datetimeFigureOut">
               <a:rPr lang="uk-UA" smtClean="0"/>
-              <a:t>28.02.2024</a:t>
+              <a:t>05.04.2024</a:t>
             </a:fld>
             <a:endParaRPr lang="uk-UA"/>
           </a:p>
@@ -2098,7 +2098,7 @@
           <a:p>
             <a:fld id="{DEE79B58-12B9-457D-962F-8903052CF6F5}" type="datetimeFigureOut">
               <a:rPr lang="uk-UA" smtClean="0"/>
-              <a:t>28.02.2024</a:t>
+              <a:t>05.04.2024</a:t>
             </a:fld>
             <a:endParaRPr lang="uk-UA"/>
           </a:p>
@@ -2513,7 +2513,7 @@
           <a:p>
             <a:fld id="{DEE79B58-12B9-457D-962F-8903052CF6F5}" type="datetimeFigureOut">
               <a:rPr lang="uk-UA" smtClean="0"/>
-              <a:t>28.02.2024</a:t>
+              <a:t>05.04.2024</a:t>
             </a:fld>
             <a:endParaRPr lang="uk-UA"/>
           </a:p>
@@ -2655,7 +2655,7 @@
           <a:p>
             <a:fld id="{DEE79B58-12B9-457D-962F-8903052CF6F5}" type="datetimeFigureOut">
               <a:rPr lang="uk-UA" smtClean="0"/>
-              <a:t>28.02.2024</a:t>
+              <a:t>05.04.2024</a:t>
             </a:fld>
             <a:endParaRPr lang="uk-UA"/>
           </a:p>
@@ -2768,7 +2768,7 @@
           <a:p>
             <a:fld id="{DEE79B58-12B9-457D-962F-8903052CF6F5}" type="datetimeFigureOut">
               <a:rPr lang="uk-UA" smtClean="0"/>
-              <a:t>28.02.2024</a:t>
+              <a:t>05.04.2024</a:t>
             </a:fld>
             <a:endParaRPr lang="uk-UA"/>
           </a:p>
@@ -3081,7 +3081,7 @@
           <a:p>
             <a:fld id="{DEE79B58-12B9-457D-962F-8903052CF6F5}" type="datetimeFigureOut">
               <a:rPr lang="uk-UA" smtClean="0"/>
-              <a:t>28.02.2024</a:t>
+              <a:t>05.04.2024</a:t>
             </a:fld>
             <a:endParaRPr lang="uk-UA"/>
           </a:p>
@@ -3370,7 +3370,7 @@
           <a:p>
             <a:fld id="{DEE79B58-12B9-457D-962F-8903052CF6F5}" type="datetimeFigureOut">
               <a:rPr lang="uk-UA" smtClean="0"/>
-              <a:t>28.02.2024</a:t>
+              <a:t>05.04.2024</a:t>
             </a:fld>
             <a:endParaRPr lang="uk-UA"/>
           </a:p>
@@ -3613,7 +3613,7 @@
           <a:p>
             <a:fld id="{DEE79B58-12B9-457D-962F-8903052CF6F5}" type="datetimeFigureOut">
               <a:rPr lang="uk-UA" smtClean="0"/>
-              <a:t>28.02.2024</a:t>
+              <a:t>05.04.2024</a:t>
             </a:fld>
             <a:endParaRPr lang="uk-UA"/>
           </a:p>
@@ -10192,12 +10192,176 @@
           <a:chExt cx="0" cy="0"/>
         </a:xfrm>
       </p:grpSpPr>
+      <p:sp>
+        <p:nvSpPr>
+          <p:cNvPr id="2" name="Заголовок 1">
+            <a:extLst>
+              <a:ext uri="{FF2B5EF4-FFF2-40B4-BE49-F238E27FC236}">
+                <a16:creationId xmlns:a16="http://schemas.microsoft.com/office/drawing/2014/main" id="{0DA3C3D2-19BE-4905-9290-6A3A84A1A3A2}"/>
+              </a:ext>
+            </a:extLst>
+          </p:cNvPr>
+          <p:cNvSpPr>
+            <a:spLocks noGrp="1"/>
+          </p:cNvSpPr>
+          <p:nvPr>
+            <p:ph type="title"/>
+          </p:nvPr>
+        </p:nvSpPr>
+        <p:spPr>
+          <a:xfrm>
+            <a:off x="0" y="1"/>
+            <a:ext cx="12192000" cy="603314"/>
+          </a:xfrm>
+        </p:spPr>
+        <p:txBody>
+          <a:bodyPr>
+            <a:noAutofit/>
+          </a:bodyPr>
+          <a:lstStyle/>
+          <a:p>
+            <a:pPr algn="ctr"/>
+            <a:r>
+              <a:rPr lang="uk-UA" i="0" dirty="0">
+                <a:effectLst/>
+                <a:latin typeface="Times New Roman" panose="02020603050405020304" pitchFamily="18" charset="0"/>
+                <a:cs typeface="Times New Roman" panose="02020603050405020304" pitchFamily="18" charset="0"/>
+              </a:rPr>
+              <a:t>Що таке множина (</a:t>
+            </a:r>
+            <a:r>
+              <a:rPr lang="en-US" i="0" dirty="0">
+                <a:effectLst/>
+                <a:latin typeface="Times New Roman" panose="02020603050405020304" pitchFamily="18" charset="0"/>
+                <a:cs typeface="Times New Roman" panose="02020603050405020304" pitchFamily="18" charset="0"/>
+              </a:rPr>
+              <a:t>Set) </a:t>
+            </a:r>
+            <a:endParaRPr lang="uk-UA" dirty="0">
+              <a:latin typeface="Times New Roman" panose="02020603050405020304" pitchFamily="18" charset="0"/>
+              <a:cs typeface="Times New Roman" panose="02020603050405020304" pitchFamily="18" charset="0"/>
+            </a:endParaRPr>
+          </a:p>
+        </p:txBody>
+      </p:sp>
+      <p:sp>
+        <p:nvSpPr>
+          <p:cNvPr id="3" name="Объект 2">
+            <a:extLst>
+              <a:ext uri="{FF2B5EF4-FFF2-40B4-BE49-F238E27FC236}">
+                <a16:creationId xmlns:a16="http://schemas.microsoft.com/office/drawing/2014/main" id="{4C01D92A-16C5-4FFD-BD67-249D916A06A6}"/>
+              </a:ext>
+            </a:extLst>
+          </p:cNvPr>
+          <p:cNvSpPr>
+            <a:spLocks noGrp="1"/>
+          </p:cNvSpPr>
+          <p:nvPr>
+            <p:ph idx="1"/>
+          </p:nvPr>
+        </p:nvSpPr>
+        <p:spPr>
+          <a:xfrm>
+            <a:off x="329152" y="603315"/>
+            <a:ext cx="11463780" cy="4351338"/>
+          </a:xfrm>
+        </p:spPr>
+        <p:txBody>
+          <a:bodyPr/>
+          <a:lstStyle/>
+          <a:p>
+            <a:pPr algn="l" fontAlgn="base"/>
+            <a:r>
+              <a:rPr lang="uk-UA" b="0" i="0" dirty="0">
+                <a:solidFill>
+                  <a:srgbClr val="444444"/>
+                </a:solidFill>
+                <a:effectLst/>
+                <a:latin typeface="inherit"/>
+              </a:rPr>
+              <a:t>Як ми вже говорили, множина - це такий самий спосіб зберігання даних, як масив чи список. Але особливість множини в тому, що вона може зберігати тільки унікальні значення.</a:t>
+            </a:r>
+            <a:endParaRPr lang="uk-UA" b="0" i="0" dirty="0">
+              <a:solidFill>
+                <a:srgbClr val="444444"/>
+              </a:solidFill>
+              <a:effectLst/>
+              <a:latin typeface="Open Sans" panose="020B0606030504020204" pitchFamily="34" charset="0"/>
+            </a:endParaRPr>
+          </a:p>
+          <a:p>
+            <a:pPr marL="0" indent="0" algn="l" fontAlgn="base">
+              <a:buNone/>
+            </a:pPr>
+            <a:r>
+              <a:rPr lang="uk-UA" b="0" i="0" dirty="0">
+                <a:solidFill>
+                  <a:srgbClr val="444444"/>
+                </a:solidFill>
+                <a:effectLst/>
+                <a:latin typeface="inherit"/>
+              </a:rPr>
+              <a:t>Наприклад, якщо ми маємо безліч </a:t>
+            </a:r>
+            <a:r>
+              <a:rPr lang="en-US" b="1" i="0" dirty="0">
+                <a:solidFill>
+                  <a:srgbClr val="444444"/>
+                </a:solidFill>
+                <a:effectLst/>
+                <a:latin typeface="inherit"/>
+              </a:rPr>
+              <a:t>Integer</a:t>
+            </a:r>
+            <a:r>
+              <a:rPr lang="en-US" b="0" i="0" dirty="0">
+                <a:solidFill>
+                  <a:srgbClr val="444444"/>
+                </a:solidFill>
+                <a:effectLst/>
+                <a:latin typeface="inherit"/>
+              </a:rPr>
+              <a:t>-</a:t>
+            </a:r>
+            <a:r>
+              <a:rPr lang="uk-UA" b="0" i="0" dirty="0" err="1">
+                <a:solidFill>
+                  <a:srgbClr val="444444"/>
+                </a:solidFill>
+                <a:effectLst/>
+                <a:latin typeface="inherit"/>
+              </a:rPr>
+              <a:t>ів</a:t>
+            </a:r>
+            <a:r>
+              <a:rPr lang="uk-UA" b="0" i="0" dirty="0">
+                <a:solidFill>
+                  <a:srgbClr val="444444"/>
+                </a:solidFill>
+                <a:effectLst/>
+                <a:latin typeface="inherit"/>
+              </a:rPr>
+              <a:t> - у ньому лежать числа 1, 2, 3, 4 і 5:</a:t>
+            </a:r>
+            <a:endParaRPr lang="uk-UA" b="0" i="0" dirty="0">
+              <a:solidFill>
+                <a:srgbClr val="444444"/>
+              </a:solidFill>
+              <a:effectLst/>
+              <a:latin typeface="Open Sans" panose="020B0606030504020204" pitchFamily="34" charset="0"/>
+            </a:endParaRPr>
+          </a:p>
+          <a:p>
+            <a:endParaRPr lang="uk-UA" dirty="0"/>
+          </a:p>
+        </p:txBody>
+      </p:sp>
       <p:pic>
         <p:nvPicPr>
           <p:cNvPr id="5" name="Рисунок 4">
             <a:extLst>
               <a:ext uri="{FF2B5EF4-FFF2-40B4-BE49-F238E27FC236}">
-                <a16:creationId xmlns:a16="http://schemas.microsoft.com/office/drawing/2014/main" id="{8E3959EE-865F-47E2-96DF-0FE19D5E729B}"/>
+                <a16:creationId xmlns:a16="http://schemas.microsoft.com/office/drawing/2014/main" id="{AEA86A7B-868C-4817-81FC-01979F7FF0C2}"/>
               </a:ext>
             </a:extLst>
           </p:cNvPr>
@@ -10214,61 +10378,18 @@
         </p:blipFill>
         <p:spPr>
           <a:xfrm>
-            <a:off x="2147887" y="1385887"/>
-            <a:ext cx="7896225" cy="4086225"/>
+            <a:off x="3672918" y="3174910"/>
+            <a:ext cx="4846163" cy="2730900"/>
           </a:xfrm>
           <a:prstGeom prst="rect">
             <a:avLst/>
           </a:prstGeom>
         </p:spPr>
       </p:pic>
-      <p:sp>
-        <p:nvSpPr>
-          <p:cNvPr id="6" name="Заголовок 1">
-            <a:extLst>
-              <a:ext uri="{FF2B5EF4-FFF2-40B4-BE49-F238E27FC236}">
-                <a16:creationId xmlns:a16="http://schemas.microsoft.com/office/drawing/2014/main" id="{61809A7A-4B9D-4EC5-A06F-4FC12406F07F}"/>
-              </a:ext>
-            </a:extLst>
-          </p:cNvPr>
-          <p:cNvSpPr>
-            <a:spLocks noGrp="1"/>
-          </p:cNvSpPr>
-          <p:nvPr>
-            <p:ph type="title"/>
-          </p:nvPr>
-        </p:nvSpPr>
-        <p:spPr>
-          <a:xfrm>
-            <a:off x="0" y="1"/>
-            <a:ext cx="12192000" cy="1065228"/>
-          </a:xfrm>
-        </p:spPr>
-        <p:txBody>
-          <a:bodyPr>
-            <a:normAutofit/>
-          </a:bodyPr>
-          <a:lstStyle/>
-          <a:p>
-            <a:pPr algn="ctr"/>
-            <a:r>
-              <a:rPr lang="en-US" sz="4000" b="1" dirty="0">
-                <a:latin typeface="Times New Roman" panose="02020603050405020304" pitchFamily="18" charset="0"/>
-                <a:cs typeface="Times New Roman" panose="02020603050405020304" pitchFamily="18" charset="0"/>
-              </a:rPr>
-              <a:t>HashSet</a:t>
-            </a:r>
-            <a:endParaRPr lang="uk-UA" sz="4000" dirty="0">
-              <a:latin typeface="Times New Roman" panose="02020603050405020304" pitchFamily="18" charset="0"/>
-              <a:cs typeface="Times New Roman" panose="02020603050405020304" pitchFamily="18" charset="0"/>
-            </a:endParaRPr>
-          </a:p>
-        </p:txBody>
-      </p:sp>
     </p:spTree>
     <p:extLst>
       <p:ext uri="{BB962C8B-B14F-4D97-AF65-F5344CB8AC3E}">
-        <p14:creationId xmlns:p14="http://schemas.microsoft.com/office/powerpoint/2010/main" val="3457657643"/>
+        <p14:creationId xmlns:p14="http://schemas.microsoft.com/office/powerpoint/2010/main" val="714484875"/>
       </p:ext>
     </p:extLst>
   </p:cSld>
@@ -23060,62 +23181,10 @@
       </p:grpSpPr>
       <p:sp>
         <p:nvSpPr>
-          <p:cNvPr id="2" name="Заголовок 1">
-            <a:extLst>
-              <a:ext uri="{FF2B5EF4-FFF2-40B4-BE49-F238E27FC236}">
-                <a16:creationId xmlns:a16="http://schemas.microsoft.com/office/drawing/2014/main" id="{0DA3C3D2-19BE-4905-9290-6A3A84A1A3A2}"/>
-              </a:ext>
-            </a:extLst>
-          </p:cNvPr>
-          <p:cNvSpPr>
-            <a:spLocks noGrp="1"/>
-          </p:cNvSpPr>
-          <p:nvPr>
-            <p:ph type="title"/>
-          </p:nvPr>
-        </p:nvSpPr>
-        <p:spPr>
-          <a:xfrm>
-            <a:off x="0" y="1"/>
-            <a:ext cx="12192000" cy="603314"/>
-          </a:xfrm>
-        </p:spPr>
-        <p:txBody>
-          <a:bodyPr>
-            <a:noAutofit/>
-          </a:bodyPr>
-          <a:lstStyle/>
-          <a:p>
-            <a:pPr algn="ctr"/>
-            <a:r>
-              <a:rPr lang="uk-UA" i="0" dirty="0">
-                <a:effectLst/>
-                <a:latin typeface="Times New Roman" panose="02020603050405020304" pitchFamily="18" charset="0"/>
-                <a:cs typeface="Times New Roman" panose="02020603050405020304" pitchFamily="18" charset="0"/>
-              </a:rPr>
-              <a:t>Що таке множина (</a:t>
-            </a:r>
-            <a:r>
-              <a:rPr lang="en-US" i="0" dirty="0">
-                <a:effectLst/>
-                <a:latin typeface="Times New Roman" panose="02020603050405020304" pitchFamily="18" charset="0"/>
-                <a:cs typeface="Times New Roman" panose="02020603050405020304" pitchFamily="18" charset="0"/>
-              </a:rPr>
-              <a:t>Set) </a:t>
-            </a:r>
-            <a:endParaRPr lang="uk-UA" dirty="0">
-              <a:latin typeface="Times New Roman" panose="02020603050405020304" pitchFamily="18" charset="0"/>
-              <a:cs typeface="Times New Roman" panose="02020603050405020304" pitchFamily="18" charset="0"/>
-            </a:endParaRPr>
-          </a:p>
-        </p:txBody>
-      </p:sp>
-      <p:sp>
-        <p:nvSpPr>
           <p:cNvPr id="3" name="Объект 2">
             <a:extLst>
               <a:ext uri="{FF2B5EF4-FFF2-40B4-BE49-F238E27FC236}">
-                <a16:creationId xmlns:a16="http://schemas.microsoft.com/office/drawing/2014/main" id="{4C01D92A-16C5-4FFD-BD67-249D916A06A6}"/>
+                <a16:creationId xmlns:a16="http://schemas.microsoft.com/office/drawing/2014/main" id="{A79E34BC-82C5-42DB-96D1-DBACC8C4E42A}"/>
               </a:ext>
             </a:extLst>
           </p:cNvPr>
@@ -23128,106 +23197,259 @@
         </p:nvSpPr>
         <p:spPr>
           <a:xfrm>
-            <a:off x="329152" y="603315"/>
-            <a:ext cx="11463780" cy="4351338"/>
+            <a:off x="659876" y="829559"/>
+            <a:ext cx="10693924" cy="5347404"/>
           </a:xfrm>
         </p:spPr>
         <p:txBody>
           <a:bodyPr/>
           <a:lstStyle/>
           <a:p>
-            <a:pPr algn="l" fontAlgn="base"/>
-            <a:r>
-              <a:rPr lang="uk-UA" b="0" i="0" dirty="0">
-                <a:solidFill>
-                  <a:srgbClr val="444444"/>
-                </a:solidFill>
-                <a:effectLst/>
-                <a:latin typeface="inherit"/>
-              </a:rPr>
-              <a:t>Як ми вже говорили, множина - це такий самий спосіб зберігання даних, як масив чи список. Але особливість множини в тому, що вона може зберігати тільки унікальні значення.</a:t>
-            </a:r>
-            <a:endParaRPr lang="uk-UA" b="0" i="0" dirty="0">
-              <a:solidFill>
-                <a:srgbClr val="444444"/>
-              </a:solidFill>
-              <a:effectLst/>
-              <a:latin typeface="Open Sans" panose="020B0606030504020204" pitchFamily="34" charset="0"/>
-            </a:endParaRPr>
-          </a:p>
-          <a:p>
-            <a:pPr marL="0" indent="0" algn="l" fontAlgn="base">
+            <a:pPr marL="0" indent="0">
               <a:buNone/>
             </a:pPr>
             <a:r>
-              <a:rPr lang="uk-UA" b="0" i="0" dirty="0">
-                <a:solidFill>
-                  <a:srgbClr val="444444"/>
-                </a:solidFill>
-                <a:effectLst/>
-                <a:latin typeface="inherit"/>
-              </a:rPr>
-              <a:t>Наприклад, якщо ми маємо безліч </a:t>
-            </a:r>
-            <a:r>
-              <a:rPr lang="en-US" b="1" i="0" dirty="0">
-                <a:solidFill>
-                  <a:srgbClr val="444444"/>
-                </a:solidFill>
-                <a:effectLst/>
-                <a:latin typeface="inherit"/>
-              </a:rPr>
-              <a:t>Integer</a:t>
-            </a:r>
-            <a:r>
-              <a:rPr lang="en-US" b="0" i="0" dirty="0">
-                <a:solidFill>
-                  <a:srgbClr val="444444"/>
-                </a:solidFill>
-                <a:effectLst/>
-                <a:latin typeface="inherit"/>
-              </a:rPr>
-              <a:t>-</a:t>
-            </a:r>
-            <a:r>
-              <a:rPr lang="uk-UA" b="0" i="0" dirty="0" err="1">
-                <a:solidFill>
-                  <a:srgbClr val="444444"/>
-                </a:solidFill>
-                <a:effectLst/>
-                <a:latin typeface="inherit"/>
-              </a:rPr>
-              <a:t>ів</a:t>
-            </a:r>
-            <a:r>
-              <a:rPr lang="uk-UA" b="0" i="0" dirty="0">
-                <a:solidFill>
-                  <a:srgbClr val="444444"/>
-                </a:solidFill>
-                <a:effectLst/>
-                <a:latin typeface="inherit"/>
-              </a:rPr>
-              <a:t> - у ньому лежать числа 1, 2, 3, 4 і 5:</a:t>
-            </a:r>
-            <a:endParaRPr lang="uk-UA" b="0" i="0" dirty="0">
-              <a:solidFill>
-                <a:srgbClr val="444444"/>
-              </a:solidFill>
-              <a:effectLst/>
-              <a:latin typeface="Open Sans" panose="020B0606030504020204" pitchFamily="34" charset="0"/>
+              <a:rPr lang="ru-RU" b="0" i="0" dirty="0" err="1">
+                <a:effectLst/>
+                <a:latin typeface="Times New Roman" panose="02020603050405020304" pitchFamily="18" charset="0"/>
+                <a:cs typeface="Times New Roman" panose="02020603050405020304" pitchFamily="18" charset="0"/>
+              </a:rPr>
+              <a:t>Якщо</a:t>
+            </a:r>
+            <a:r>
+              <a:rPr lang="ru-RU" b="0" i="0" dirty="0">
+                <a:effectLst/>
+                <a:latin typeface="Times New Roman" panose="02020603050405020304" pitchFamily="18" charset="0"/>
+                <a:cs typeface="Times New Roman" panose="02020603050405020304" pitchFamily="18" charset="0"/>
+              </a:rPr>
+              <a:t> ми </a:t>
+            </a:r>
+            <a:r>
+              <a:rPr lang="ru-RU" b="0" i="0" dirty="0" err="1">
+                <a:effectLst/>
+                <a:latin typeface="Times New Roman" panose="02020603050405020304" pitchFamily="18" charset="0"/>
+                <a:cs typeface="Times New Roman" panose="02020603050405020304" pitchFamily="18" charset="0"/>
+              </a:rPr>
+              <a:t>спробуємо</a:t>
+            </a:r>
+            <a:r>
+              <a:rPr lang="ru-RU" b="0" i="0" dirty="0">
+                <a:effectLst/>
+                <a:latin typeface="Times New Roman" panose="02020603050405020304" pitchFamily="18" charset="0"/>
+                <a:cs typeface="Times New Roman" panose="02020603050405020304" pitchFamily="18" charset="0"/>
+              </a:rPr>
+              <a:t> </a:t>
+            </a:r>
+            <a:r>
+              <a:rPr lang="ru-RU" b="0" i="0" dirty="0" err="1">
+                <a:effectLst/>
+                <a:latin typeface="Times New Roman" panose="02020603050405020304" pitchFamily="18" charset="0"/>
+                <a:cs typeface="Times New Roman" panose="02020603050405020304" pitchFamily="18" charset="0"/>
+              </a:rPr>
+              <a:t>додати</a:t>
+            </a:r>
+            <a:r>
+              <a:rPr lang="ru-RU" b="0" i="0" dirty="0">
+                <a:effectLst/>
+                <a:latin typeface="Times New Roman" panose="02020603050405020304" pitchFamily="18" charset="0"/>
+                <a:cs typeface="Times New Roman" panose="02020603050405020304" pitchFamily="18" charset="0"/>
+              </a:rPr>
+              <a:t> </a:t>
+            </a:r>
+            <a:r>
+              <a:rPr lang="ru-RU" b="0" i="0" dirty="0" err="1">
+                <a:effectLst/>
+                <a:latin typeface="Times New Roman" panose="02020603050405020304" pitchFamily="18" charset="0"/>
+                <a:cs typeface="Times New Roman" panose="02020603050405020304" pitchFamily="18" charset="0"/>
+              </a:rPr>
+              <a:t>туди</a:t>
+            </a:r>
+            <a:r>
+              <a:rPr lang="ru-RU" b="0" i="0" dirty="0">
+                <a:effectLst/>
+                <a:latin typeface="Times New Roman" panose="02020603050405020304" pitchFamily="18" charset="0"/>
+                <a:cs typeface="Times New Roman" panose="02020603050405020304" pitchFamily="18" charset="0"/>
+              </a:rPr>
+              <a:t> </a:t>
+            </a:r>
+            <a:r>
+              <a:rPr lang="ru-RU" b="0" i="0" dirty="0" err="1">
+                <a:effectLst/>
+                <a:latin typeface="Times New Roman" panose="02020603050405020304" pitchFamily="18" charset="0"/>
+                <a:cs typeface="Times New Roman" panose="02020603050405020304" pitchFamily="18" charset="0"/>
+              </a:rPr>
+              <a:t>одиницю</a:t>
+            </a:r>
+            <a:r>
+              <a:rPr lang="ru-RU" b="0" i="0" dirty="0">
+                <a:effectLst/>
+                <a:latin typeface="Times New Roman" panose="02020603050405020304" pitchFamily="18" charset="0"/>
+                <a:cs typeface="Times New Roman" panose="02020603050405020304" pitchFamily="18" charset="0"/>
+              </a:rPr>
+              <a:t>, у нас не </a:t>
+            </a:r>
+            <a:r>
+              <a:rPr lang="ru-RU" b="0" i="0" dirty="0" err="1">
+                <a:effectLst/>
+                <a:latin typeface="Times New Roman" panose="02020603050405020304" pitchFamily="18" charset="0"/>
+                <a:cs typeface="Times New Roman" panose="02020603050405020304" pitchFamily="18" charset="0"/>
+              </a:rPr>
+              <a:t>вийде</a:t>
+            </a:r>
+            <a:r>
+              <a:rPr lang="ru-RU" b="0" i="0" dirty="0">
+                <a:effectLst/>
+                <a:latin typeface="Times New Roman" panose="02020603050405020304" pitchFamily="18" charset="0"/>
+                <a:cs typeface="Times New Roman" panose="02020603050405020304" pitchFamily="18" charset="0"/>
+              </a:rPr>
+              <a:t> - тому </a:t>
+            </a:r>
+            <a:r>
+              <a:rPr lang="ru-RU" b="0" i="0" dirty="0" err="1">
+                <a:effectLst/>
+                <a:latin typeface="Times New Roman" panose="02020603050405020304" pitchFamily="18" charset="0"/>
+                <a:cs typeface="Times New Roman" panose="02020603050405020304" pitchFamily="18" charset="0"/>
+              </a:rPr>
+              <a:t>що</a:t>
+            </a:r>
+            <a:r>
+              <a:rPr lang="ru-RU" b="0" i="0" dirty="0">
+                <a:effectLst/>
+                <a:latin typeface="Times New Roman" panose="02020603050405020304" pitchFamily="18" charset="0"/>
+                <a:cs typeface="Times New Roman" panose="02020603050405020304" pitchFamily="18" charset="0"/>
+              </a:rPr>
+              <a:t> в </a:t>
+            </a:r>
+            <a:r>
+              <a:rPr lang="ru-RU" b="0" i="0" dirty="0" err="1">
+                <a:effectLst/>
+                <a:latin typeface="Times New Roman" panose="02020603050405020304" pitchFamily="18" charset="0"/>
+                <a:cs typeface="Times New Roman" panose="02020603050405020304" pitchFamily="18" charset="0"/>
+              </a:rPr>
+              <a:t>більшості</a:t>
+            </a:r>
+            <a:r>
+              <a:rPr lang="ru-RU" b="0" i="0" dirty="0">
+                <a:effectLst/>
+                <a:latin typeface="Times New Roman" panose="02020603050405020304" pitchFamily="18" charset="0"/>
+                <a:cs typeface="Times New Roman" panose="02020603050405020304" pitchFamily="18" charset="0"/>
+              </a:rPr>
+              <a:t> </a:t>
+            </a:r>
+            <a:r>
+              <a:rPr lang="ru-RU" b="0" i="0" dirty="0" err="1">
+                <a:effectLst/>
+                <a:latin typeface="Times New Roman" panose="02020603050405020304" pitchFamily="18" charset="0"/>
+                <a:cs typeface="Times New Roman" panose="02020603050405020304" pitchFamily="18" charset="0"/>
+              </a:rPr>
+              <a:t>вже</a:t>
+            </a:r>
+            <a:r>
+              <a:rPr lang="ru-RU" b="0" i="0" dirty="0">
+                <a:effectLst/>
+                <a:latin typeface="Times New Roman" panose="02020603050405020304" pitchFamily="18" charset="0"/>
+                <a:cs typeface="Times New Roman" panose="02020603050405020304" pitchFamily="18" charset="0"/>
+              </a:rPr>
+              <a:t> є </a:t>
+            </a:r>
+            <a:r>
+              <a:rPr lang="ru-RU" b="0" i="0" dirty="0" err="1">
+                <a:effectLst/>
+                <a:latin typeface="Times New Roman" panose="02020603050405020304" pitchFamily="18" charset="0"/>
+                <a:cs typeface="Times New Roman" panose="02020603050405020304" pitchFamily="18" charset="0"/>
+              </a:rPr>
+              <a:t>одиниця</a:t>
+            </a:r>
+            <a:r>
+              <a:rPr lang="ru-RU" b="0" i="0" dirty="0">
+                <a:effectLst/>
+                <a:latin typeface="Times New Roman" panose="02020603050405020304" pitchFamily="18" charset="0"/>
+                <a:cs typeface="Times New Roman" panose="02020603050405020304" pitchFamily="18" charset="0"/>
+              </a:rPr>
+              <a:t>:</a:t>
+            </a:r>
+            <a:endParaRPr lang="uk-UA" dirty="0">
+              <a:latin typeface="Times New Roman" panose="02020603050405020304" pitchFamily="18" charset="0"/>
+              <a:cs typeface="Times New Roman" panose="02020603050405020304" pitchFamily="18" charset="0"/>
             </a:endParaRPr>
           </a:p>
-          <a:p>
-            <a:endParaRPr lang="uk-UA" dirty="0"/>
+        </p:txBody>
+      </p:sp>
+      <p:sp>
+        <p:nvSpPr>
+          <p:cNvPr id="4" name="Заголовок 1">
+            <a:extLst>
+              <a:ext uri="{FF2B5EF4-FFF2-40B4-BE49-F238E27FC236}">
+                <a16:creationId xmlns:a16="http://schemas.microsoft.com/office/drawing/2014/main" id="{A29FC11B-F8F9-476D-9FBD-07CBAE202736}"/>
+              </a:ext>
+            </a:extLst>
+          </p:cNvPr>
+          <p:cNvSpPr txBox="1">
+            <a:spLocks/>
+          </p:cNvSpPr>
+          <p:nvPr/>
+        </p:nvSpPr>
+        <p:spPr>
+          <a:xfrm>
+            <a:off x="0" y="1"/>
+            <a:ext cx="12192000" cy="603314"/>
+          </a:xfrm>
+          <a:prstGeom prst="rect">
+            <a:avLst/>
+          </a:prstGeom>
+        </p:spPr>
+        <p:txBody>
+          <a:bodyPr vert="horz" lIns="91440" tIns="45720" rIns="91440" bIns="45720" rtlCol="0" anchor="ctr">
+            <a:noAutofit/>
+          </a:bodyPr>
+          <a:lstStyle>
+            <a:lvl1pPr algn="l" defTabSz="914400" rtl="0" eaLnBrk="1" latinLnBrk="0" hangingPunct="1">
+              <a:lnSpc>
+                <a:spcPct val="90000"/>
+              </a:lnSpc>
+              <a:spcBef>
+                <a:spcPct val="0"/>
+              </a:spcBef>
+              <a:buNone/>
+              <a:defRPr sz="4400" kern="1200">
+                <a:solidFill>
+                  <a:schemeClr val="tx1"/>
+                </a:solidFill>
+                <a:latin typeface="+mj-lt"/>
+                <a:ea typeface="+mj-ea"/>
+                <a:cs typeface="+mj-cs"/>
+              </a:defRPr>
+            </a:lvl1pPr>
+          </a:lstStyle>
+          <a:p>
+            <a:pPr algn="ctr"/>
+            <a:r>
+              <a:rPr lang="uk-UA">
+                <a:latin typeface="Times New Roman" panose="02020603050405020304" pitchFamily="18" charset="0"/>
+                <a:cs typeface="Times New Roman" panose="02020603050405020304" pitchFamily="18" charset="0"/>
+              </a:rPr>
+              <a:t>Що таке множина (</a:t>
+            </a:r>
+            <a:r>
+              <a:rPr lang="en-US">
+                <a:latin typeface="Times New Roman" panose="02020603050405020304" pitchFamily="18" charset="0"/>
+                <a:cs typeface="Times New Roman" panose="02020603050405020304" pitchFamily="18" charset="0"/>
+              </a:rPr>
+              <a:t>Set) </a:t>
+            </a:r>
+            <a:endParaRPr lang="uk-UA" dirty="0">
+              <a:latin typeface="Times New Roman" panose="02020603050405020304" pitchFamily="18" charset="0"/>
+              <a:cs typeface="Times New Roman" panose="02020603050405020304" pitchFamily="18" charset="0"/>
+            </a:endParaRPr>
           </a:p>
         </p:txBody>
       </p:sp>
       <p:pic>
         <p:nvPicPr>
-          <p:cNvPr id="5" name="Рисунок 4">
+          <p:cNvPr id="6" name="Рисунок 5">
             <a:extLst>
               <a:ext uri="{FF2B5EF4-FFF2-40B4-BE49-F238E27FC236}">
-                <a16:creationId xmlns:a16="http://schemas.microsoft.com/office/drawing/2014/main" id="{AEA86A7B-868C-4817-81FC-01979F7FF0C2}"/>
+                <a16:creationId xmlns:a16="http://schemas.microsoft.com/office/drawing/2014/main" id="{8DB2E294-83AF-4BBD-810E-E18867672A15}"/>
               </a:ext>
             </a:extLst>
           </p:cNvPr>
@@ -23244,18 +23466,205 @@
         </p:blipFill>
         <p:spPr>
           <a:xfrm>
-            <a:off x="3672918" y="3174910"/>
-            <a:ext cx="4846163" cy="2730900"/>
+            <a:off x="659876" y="2169306"/>
+            <a:ext cx="3965494" cy="2519388"/>
           </a:xfrm>
           <a:prstGeom prst="rect">
             <a:avLst/>
           </a:prstGeom>
         </p:spPr>
       </p:pic>
+      <p:sp>
+        <p:nvSpPr>
+          <p:cNvPr id="8" name="TextBox 7">
+            <a:extLst>
+              <a:ext uri="{FF2B5EF4-FFF2-40B4-BE49-F238E27FC236}">
+                <a16:creationId xmlns:a16="http://schemas.microsoft.com/office/drawing/2014/main" id="{7CF93E29-6587-45B5-AD57-0BF9FF1547E2}"/>
+              </a:ext>
+            </a:extLst>
+          </p:cNvPr>
+          <p:cNvSpPr txBox="1"/>
+          <p:nvPr/>
+        </p:nvSpPr>
+        <p:spPr>
+          <a:xfrm>
+            <a:off x="659876" y="5018144"/>
+            <a:ext cx="10058400" cy="830997"/>
+          </a:xfrm>
+          <a:prstGeom prst="rect">
+            <a:avLst/>
+          </a:prstGeom>
+          <a:noFill/>
+        </p:spPr>
+        <p:txBody>
+          <a:bodyPr wrap="square">
+            <a:spAutoFit/>
+          </a:bodyPr>
+          <a:lstStyle/>
+          <a:p>
+            <a:r>
+              <a:rPr lang="ru-RU" sz="2400" b="0" i="0" dirty="0">
+                <a:effectLst/>
+                <a:latin typeface="Times New Roman" panose="02020603050405020304" pitchFamily="18" charset="0"/>
+                <a:cs typeface="Times New Roman" panose="02020603050405020304" pitchFamily="18" charset="0"/>
+              </a:rPr>
+              <a:t>Таким чином, </a:t>
+            </a:r>
+            <a:r>
+              <a:rPr lang="ru-RU" sz="2400" b="0" i="0" dirty="0" err="1">
+                <a:effectLst/>
+                <a:latin typeface="Times New Roman" panose="02020603050405020304" pitchFamily="18" charset="0"/>
+                <a:cs typeface="Times New Roman" panose="02020603050405020304" pitchFamily="18" charset="0"/>
+              </a:rPr>
+              <a:t>множина</a:t>
+            </a:r>
+            <a:r>
+              <a:rPr lang="ru-RU" sz="2400" b="0" i="0" dirty="0">
+                <a:effectLst/>
+                <a:latin typeface="Times New Roman" panose="02020603050405020304" pitchFamily="18" charset="0"/>
+                <a:cs typeface="Times New Roman" panose="02020603050405020304" pitchFamily="18" charset="0"/>
+              </a:rPr>
+              <a:t> </a:t>
+            </a:r>
+            <a:r>
+              <a:rPr lang="ru-RU" sz="2400" b="1" i="0" dirty="0" err="1">
+                <a:effectLst/>
+                <a:latin typeface="Times New Roman" panose="02020603050405020304" pitchFamily="18" charset="0"/>
+                <a:cs typeface="Times New Roman" panose="02020603050405020304" pitchFamily="18" charset="0"/>
+              </a:rPr>
+              <a:t>забезпечує</a:t>
+            </a:r>
+            <a:r>
+              <a:rPr lang="ru-RU" sz="2400" b="0" i="0" dirty="0">
+                <a:effectLst/>
+                <a:latin typeface="Times New Roman" panose="02020603050405020304" pitchFamily="18" charset="0"/>
+                <a:cs typeface="Times New Roman" panose="02020603050405020304" pitchFamily="18" charset="0"/>
+              </a:rPr>
+              <a:t> </a:t>
+            </a:r>
+            <a:r>
+              <a:rPr lang="ru-RU" sz="2400" b="1" i="0" dirty="0" err="1">
+                <a:effectLst/>
+                <a:latin typeface="Times New Roman" panose="02020603050405020304" pitchFamily="18" charset="0"/>
+                <a:cs typeface="Times New Roman" panose="02020603050405020304" pitchFamily="18" charset="0"/>
+              </a:rPr>
+              <a:t>унікальність</a:t>
+            </a:r>
+            <a:r>
+              <a:rPr lang="ru-RU" sz="2400" b="1" i="0" dirty="0">
+                <a:effectLst/>
+                <a:latin typeface="Times New Roman" panose="02020603050405020304" pitchFamily="18" charset="0"/>
+                <a:cs typeface="Times New Roman" panose="02020603050405020304" pitchFamily="18" charset="0"/>
+              </a:rPr>
+              <a:t> </a:t>
+            </a:r>
+            <a:r>
+              <a:rPr lang="ru-RU" sz="2400" b="1" i="0" dirty="0" err="1">
+                <a:effectLst/>
+                <a:latin typeface="Times New Roman" panose="02020603050405020304" pitchFamily="18" charset="0"/>
+                <a:cs typeface="Times New Roman" panose="02020603050405020304" pitchFamily="18" charset="0"/>
+              </a:rPr>
+              <a:t>своїх</a:t>
+            </a:r>
+            <a:r>
+              <a:rPr lang="ru-RU" sz="2400" b="1" i="0" dirty="0">
+                <a:effectLst/>
+                <a:latin typeface="Times New Roman" panose="02020603050405020304" pitchFamily="18" charset="0"/>
+                <a:cs typeface="Times New Roman" panose="02020603050405020304" pitchFamily="18" charset="0"/>
+              </a:rPr>
+              <a:t> </a:t>
+            </a:r>
+            <a:r>
+              <a:rPr lang="ru-RU" sz="2400" b="1" i="0" dirty="0" err="1">
+                <a:effectLst/>
+                <a:latin typeface="Times New Roman" panose="02020603050405020304" pitchFamily="18" charset="0"/>
+                <a:cs typeface="Times New Roman" panose="02020603050405020304" pitchFamily="18" charset="0"/>
+              </a:rPr>
+              <a:t>елементів</a:t>
+            </a:r>
+            <a:r>
+              <a:rPr lang="ru-RU" sz="2400" b="0" i="0" dirty="0">
+                <a:effectLst/>
+                <a:latin typeface="Times New Roman" panose="02020603050405020304" pitchFamily="18" charset="0"/>
+                <a:cs typeface="Times New Roman" panose="02020603050405020304" pitchFamily="18" charset="0"/>
+              </a:rPr>
+              <a:t>. Можете бути </a:t>
+            </a:r>
+            <a:r>
+              <a:rPr lang="ru-RU" sz="2400" b="0" i="0" dirty="0" err="1">
+                <a:effectLst/>
+                <a:latin typeface="Times New Roman" panose="02020603050405020304" pitchFamily="18" charset="0"/>
+                <a:cs typeface="Times New Roman" panose="02020603050405020304" pitchFamily="18" charset="0"/>
+              </a:rPr>
+              <a:t>спокійні</a:t>
+            </a:r>
+            <a:r>
+              <a:rPr lang="ru-RU" sz="2400" b="0" i="0" dirty="0">
+                <a:effectLst/>
+                <a:latin typeface="Times New Roman" panose="02020603050405020304" pitchFamily="18" charset="0"/>
+                <a:cs typeface="Times New Roman" panose="02020603050405020304" pitchFamily="18" charset="0"/>
+              </a:rPr>
+              <a:t> - </a:t>
+            </a:r>
+            <a:r>
+              <a:rPr lang="ru-RU" sz="2400" b="0" i="0" dirty="0" err="1">
+                <a:effectLst/>
+                <a:latin typeface="Times New Roman" panose="02020603050405020304" pitchFamily="18" charset="0"/>
+                <a:cs typeface="Times New Roman" panose="02020603050405020304" pitchFamily="18" charset="0"/>
+              </a:rPr>
+              <a:t>дублюватись</a:t>
+            </a:r>
+            <a:r>
+              <a:rPr lang="ru-RU" sz="2400" b="0" i="0" dirty="0">
+                <a:effectLst/>
+                <a:latin typeface="Times New Roman" panose="02020603050405020304" pitchFamily="18" charset="0"/>
+                <a:cs typeface="Times New Roman" panose="02020603050405020304" pitchFamily="18" charset="0"/>
+              </a:rPr>
+              <a:t> у </a:t>
+            </a:r>
+            <a:r>
+              <a:rPr lang="ru-RU" sz="2400" b="0" i="0" dirty="0" err="1">
+                <a:effectLst/>
+                <a:latin typeface="Times New Roman" panose="02020603050405020304" pitchFamily="18" charset="0"/>
+                <a:cs typeface="Times New Roman" panose="02020603050405020304" pitchFamily="18" charset="0"/>
+              </a:rPr>
+              <a:t>множинах</a:t>
+            </a:r>
+            <a:r>
+              <a:rPr lang="ru-RU" sz="2400" b="0" i="0" dirty="0">
+                <a:effectLst/>
+                <a:latin typeface="Times New Roman" panose="02020603050405020304" pitchFamily="18" charset="0"/>
+                <a:cs typeface="Times New Roman" panose="02020603050405020304" pitchFamily="18" charset="0"/>
+              </a:rPr>
+              <a:t> </a:t>
+            </a:r>
+            <a:r>
+              <a:rPr lang="ru-RU" sz="2400" b="0" i="0" dirty="0" err="1">
+                <a:effectLst/>
+                <a:latin typeface="Times New Roman" panose="02020603050405020304" pitchFamily="18" charset="0"/>
+                <a:cs typeface="Times New Roman" panose="02020603050405020304" pitchFamily="18" charset="0"/>
+              </a:rPr>
+              <a:t>нічого</a:t>
+            </a:r>
+            <a:r>
+              <a:rPr lang="ru-RU" sz="2400" b="0" i="0" dirty="0">
+                <a:effectLst/>
+                <a:latin typeface="Times New Roman" panose="02020603050405020304" pitchFamily="18" charset="0"/>
+                <a:cs typeface="Times New Roman" panose="02020603050405020304" pitchFamily="18" charset="0"/>
+              </a:rPr>
+              <a:t> не буде.</a:t>
+            </a:r>
+            <a:endParaRPr lang="uk-UA" sz="2400" dirty="0">
+              <a:latin typeface="Times New Roman" panose="02020603050405020304" pitchFamily="18" charset="0"/>
+              <a:cs typeface="Times New Roman" panose="02020603050405020304" pitchFamily="18" charset="0"/>
+            </a:endParaRPr>
+          </a:p>
+        </p:txBody>
+      </p:sp>
     </p:spTree>
     <p:extLst>
       <p:ext uri="{BB962C8B-B14F-4D97-AF65-F5344CB8AC3E}">
-        <p14:creationId xmlns:p14="http://schemas.microsoft.com/office/powerpoint/2010/main" val="714484875"/>
+        <p14:creationId xmlns:p14="http://schemas.microsoft.com/office/powerpoint/2010/main" val="1654189012"/>
       </p:ext>
     </p:extLst>
   </p:cSld>
@@ -23355,12 +23764,12 @@
           <a:graphicData uri="http://schemas.openxmlformats.org/presentationml/2006/ole">
             <mc:AlternateContent xmlns:mc="http://schemas.openxmlformats.org/markup-compatibility/2006">
               <mc:Choice xmlns:v="urn:schemas-microsoft-com:vml" Requires="v">
-                <p:oleObj spid="_x0000_s4116" name="Visio" r:id="rId3" imgW="781090" imgH="752662" progId="Visio.Drawing.11">
+                <p:oleObj name="Visio" r:id="rId2" imgW="781090" imgH="752662" progId="Visio.Drawing.11">
                   <p:embed/>
                 </p:oleObj>
               </mc:Choice>
               <mc:Fallback>
-                <p:oleObj name="Visio" r:id="rId3" imgW="781090" imgH="752662" progId="Visio.Drawing.11">
+                <p:oleObj name="Visio" r:id="rId2" imgW="781090" imgH="752662" progId="Visio.Drawing.11">
                   <p:embed/>
                   <p:pic>
                     <p:nvPicPr>
@@ -23371,7 +23780,7 @@
                       <p:nvPr/>
                     </p:nvPicPr>
                     <p:blipFill>
-                      <a:blip r:embed="rId4"/>
+                      <a:blip r:embed="rId3"/>
                       <a:srcRect/>
                       <a:stretch>
                         <a:fillRect/>
@@ -23432,12 +23841,12 @@
           <a:graphicData uri="http://schemas.openxmlformats.org/presentationml/2006/ole">
             <mc:AlternateContent xmlns:mc="http://schemas.openxmlformats.org/markup-compatibility/2006">
               <mc:Choice xmlns:v="urn:schemas-microsoft-com:vml" Requires="v">
-                <p:oleObj spid="_x0000_s4117" name="Visio" r:id="rId5" imgW="3762286" imgH="1495599" progId="Visio.Drawing.11">
+                <p:oleObj name="Visio" r:id="rId4" imgW="3762286" imgH="1495599" progId="Visio.Drawing.11">
                   <p:embed/>
                 </p:oleObj>
               </mc:Choice>
               <mc:Fallback>
-                <p:oleObj name="Visio" r:id="rId5" imgW="3762286" imgH="1495599" progId="Visio.Drawing.11">
+                <p:oleObj name="Visio" r:id="rId4" imgW="3762286" imgH="1495599" progId="Visio.Drawing.11">
                   <p:embed/>
                   <p:pic>
                     <p:nvPicPr>
@@ -23448,7 +23857,7 @@
                       <p:nvPr/>
                     </p:nvPicPr>
                     <p:blipFill>
-                      <a:blip r:embed="rId6"/>
+                      <a:blip r:embed="rId5"/>
                       <a:srcRect/>
                       <a:stretch>
                         <a:fillRect/>
@@ -23696,12 +24105,12 @@
           <a:graphicData uri="http://schemas.openxmlformats.org/presentationml/2006/ole">
             <mc:AlternateContent xmlns:mc="http://schemas.openxmlformats.org/markup-compatibility/2006">
               <mc:Choice xmlns:v="urn:schemas-microsoft-com:vml" Requires="v">
-                <p:oleObj spid="_x0000_s4118" name="Visio" r:id="rId7" imgW="4010297" imgH="1495599" progId="Visio.Drawing.11">
+                <p:oleObj name="Visio" r:id="rId6" imgW="4010297" imgH="1495599" progId="Visio.Drawing.11">
                   <p:embed/>
                 </p:oleObj>
               </mc:Choice>
               <mc:Fallback>
-                <p:oleObj name="Visio" r:id="rId7" imgW="4010297" imgH="1495599" progId="Visio.Drawing.11">
+                <p:oleObj name="Visio" r:id="rId6" imgW="4010297" imgH="1495599" progId="Visio.Drawing.11">
                   <p:embed/>
                   <p:pic>
                     <p:nvPicPr>
@@ -23712,7 +24121,7 @@
                       <p:nvPr/>
                     </p:nvPicPr>
                     <p:blipFill>
-                      <a:blip r:embed="rId8"/>
+                      <a:blip r:embed="rId7"/>
                       <a:srcRect/>
                       <a:stretch>
                         <a:fillRect/>
@@ -23960,12 +24369,12 @@
           <a:graphicData uri="http://schemas.openxmlformats.org/presentationml/2006/ole">
             <mc:AlternateContent xmlns:mc="http://schemas.openxmlformats.org/markup-compatibility/2006">
               <mc:Choice xmlns:v="urn:schemas-microsoft-com:vml" Requires="v">
-                <p:oleObj spid="_x0000_s4119" name="Visio" r:id="rId9" imgW="781090" imgH="752662" progId="Visio.Drawing.11">
+                <p:oleObj name="Visio" r:id="rId8" imgW="781090" imgH="752662" progId="Visio.Drawing.11">
                   <p:embed/>
                 </p:oleObj>
               </mc:Choice>
               <mc:Fallback>
-                <p:oleObj name="Visio" r:id="rId9" imgW="781090" imgH="752662" progId="Visio.Drawing.11">
+                <p:oleObj name="Visio" r:id="rId8" imgW="781090" imgH="752662" progId="Visio.Drawing.11">
                   <p:embed/>
                   <p:pic>
                     <p:nvPicPr>
@@ -23976,7 +24385,7 @@
                       <p:nvPr/>
                     </p:nvPicPr>
                     <p:blipFill>
-                      <a:blip r:embed="rId10"/>
+                      <a:blip r:embed="rId9"/>
                       <a:srcRect/>
                       <a:stretch>
                         <a:fillRect/>
@@ -24037,12 +24446,12 @@
           <a:graphicData uri="http://schemas.openxmlformats.org/presentationml/2006/ole">
             <mc:AlternateContent xmlns:mc="http://schemas.openxmlformats.org/markup-compatibility/2006">
               <mc:Choice xmlns:v="urn:schemas-microsoft-com:vml" Requires="v">
-                <p:oleObj spid="_x0000_s4120" name="Visio" r:id="rId11" imgW="3762286" imgH="1495599" progId="Visio.Drawing.11">
+                <p:oleObj name="Visio" r:id="rId10" imgW="3762286" imgH="1495599" progId="Visio.Drawing.11">
                   <p:embed/>
                 </p:oleObj>
               </mc:Choice>
               <mc:Fallback>
-                <p:oleObj name="Visio" r:id="rId11" imgW="3762286" imgH="1495599" progId="Visio.Drawing.11">
+                <p:oleObj name="Visio" r:id="rId10" imgW="3762286" imgH="1495599" progId="Visio.Drawing.11">
                   <p:embed/>
                   <p:pic>
                     <p:nvPicPr>
@@ -24053,7 +24462,7 @@
                       <p:nvPr/>
                     </p:nvPicPr>
                     <p:blipFill>
-                      <a:blip r:embed="rId12"/>
+                      <a:blip r:embed="rId11"/>
                       <a:srcRect/>
                       <a:stretch>
                         <a:fillRect/>
@@ -24369,12 +24778,12 @@
           <a:graphicData uri="http://schemas.openxmlformats.org/presentationml/2006/ole">
             <mc:AlternateContent xmlns:mc="http://schemas.openxmlformats.org/markup-compatibility/2006">
               <mc:Choice xmlns:v="urn:schemas-microsoft-com:vml" Requires="v">
-                <p:oleObj spid="_x0000_s4121" name="Visio" r:id="rId13" imgW="781090" imgH="752662" progId="Visio.Drawing.11">
+                <p:oleObj name="Visio" r:id="rId12" imgW="781090" imgH="752662" progId="Visio.Drawing.11">
                   <p:embed/>
                 </p:oleObj>
               </mc:Choice>
               <mc:Fallback>
-                <p:oleObj name="Visio" r:id="rId13" imgW="781090" imgH="752662" progId="Visio.Drawing.11">
+                <p:oleObj name="Visio" r:id="rId12" imgW="781090" imgH="752662" progId="Visio.Drawing.11">
                   <p:embed/>
                   <p:pic>
                     <p:nvPicPr>
@@ -24385,7 +24794,7 @@
                       <p:nvPr/>
                     </p:nvPicPr>
                     <p:blipFill>
-                      <a:blip r:embed="rId14"/>
+                      <a:blip r:embed="rId13"/>
                       <a:srcRect/>
                       <a:stretch>
                         <a:fillRect/>
@@ -24699,518 +25108,6 @@
       </p:grpSpPr>
       <p:sp>
         <p:nvSpPr>
-          <p:cNvPr id="3" name="Объект 2">
-            <a:extLst>
-              <a:ext uri="{FF2B5EF4-FFF2-40B4-BE49-F238E27FC236}">
-                <a16:creationId xmlns:a16="http://schemas.microsoft.com/office/drawing/2014/main" id="{A79E34BC-82C5-42DB-96D1-DBACC8C4E42A}"/>
-              </a:ext>
-            </a:extLst>
-          </p:cNvPr>
-          <p:cNvSpPr>
-            <a:spLocks noGrp="1"/>
-          </p:cNvSpPr>
-          <p:nvPr>
-            <p:ph idx="1"/>
-          </p:nvPr>
-        </p:nvSpPr>
-        <p:spPr>
-          <a:xfrm>
-            <a:off x="659876" y="829559"/>
-            <a:ext cx="10693924" cy="5347404"/>
-          </a:xfrm>
-        </p:spPr>
-        <p:txBody>
-          <a:bodyPr/>
-          <a:lstStyle/>
-          <a:p>
-            <a:pPr marL="0" indent="0">
-              <a:buNone/>
-            </a:pPr>
-            <a:r>
-              <a:rPr lang="ru-RU" b="0" i="0" dirty="0" err="1">
-                <a:effectLst/>
-                <a:latin typeface="Times New Roman" panose="02020603050405020304" pitchFamily="18" charset="0"/>
-                <a:cs typeface="Times New Roman" panose="02020603050405020304" pitchFamily="18" charset="0"/>
-              </a:rPr>
-              <a:t>Якщо</a:t>
-            </a:r>
-            <a:r>
-              <a:rPr lang="ru-RU" b="0" i="0" dirty="0">
-                <a:effectLst/>
-                <a:latin typeface="Times New Roman" panose="02020603050405020304" pitchFamily="18" charset="0"/>
-                <a:cs typeface="Times New Roman" panose="02020603050405020304" pitchFamily="18" charset="0"/>
-              </a:rPr>
-              <a:t> ми </a:t>
-            </a:r>
-            <a:r>
-              <a:rPr lang="ru-RU" b="0" i="0" dirty="0" err="1">
-                <a:effectLst/>
-                <a:latin typeface="Times New Roman" panose="02020603050405020304" pitchFamily="18" charset="0"/>
-                <a:cs typeface="Times New Roman" panose="02020603050405020304" pitchFamily="18" charset="0"/>
-              </a:rPr>
-              <a:t>спробуємо</a:t>
-            </a:r>
-            <a:r>
-              <a:rPr lang="ru-RU" b="0" i="0" dirty="0">
-                <a:effectLst/>
-                <a:latin typeface="Times New Roman" panose="02020603050405020304" pitchFamily="18" charset="0"/>
-                <a:cs typeface="Times New Roman" panose="02020603050405020304" pitchFamily="18" charset="0"/>
-              </a:rPr>
-              <a:t> </a:t>
-            </a:r>
-            <a:r>
-              <a:rPr lang="ru-RU" b="0" i="0" dirty="0" err="1">
-                <a:effectLst/>
-                <a:latin typeface="Times New Roman" panose="02020603050405020304" pitchFamily="18" charset="0"/>
-                <a:cs typeface="Times New Roman" panose="02020603050405020304" pitchFamily="18" charset="0"/>
-              </a:rPr>
-              <a:t>додати</a:t>
-            </a:r>
-            <a:r>
-              <a:rPr lang="ru-RU" b="0" i="0" dirty="0">
-                <a:effectLst/>
-                <a:latin typeface="Times New Roman" panose="02020603050405020304" pitchFamily="18" charset="0"/>
-                <a:cs typeface="Times New Roman" panose="02020603050405020304" pitchFamily="18" charset="0"/>
-              </a:rPr>
-              <a:t> </a:t>
-            </a:r>
-            <a:r>
-              <a:rPr lang="ru-RU" b="0" i="0" dirty="0" err="1">
-                <a:effectLst/>
-                <a:latin typeface="Times New Roman" panose="02020603050405020304" pitchFamily="18" charset="0"/>
-                <a:cs typeface="Times New Roman" panose="02020603050405020304" pitchFamily="18" charset="0"/>
-              </a:rPr>
-              <a:t>туди</a:t>
-            </a:r>
-            <a:r>
-              <a:rPr lang="ru-RU" b="0" i="0" dirty="0">
-                <a:effectLst/>
-                <a:latin typeface="Times New Roman" panose="02020603050405020304" pitchFamily="18" charset="0"/>
-                <a:cs typeface="Times New Roman" panose="02020603050405020304" pitchFamily="18" charset="0"/>
-              </a:rPr>
-              <a:t> </a:t>
-            </a:r>
-            <a:r>
-              <a:rPr lang="ru-RU" b="0" i="0" dirty="0" err="1">
-                <a:effectLst/>
-                <a:latin typeface="Times New Roman" panose="02020603050405020304" pitchFamily="18" charset="0"/>
-                <a:cs typeface="Times New Roman" panose="02020603050405020304" pitchFamily="18" charset="0"/>
-              </a:rPr>
-              <a:t>одиницю</a:t>
-            </a:r>
-            <a:r>
-              <a:rPr lang="ru-RU" b="0" i="0" dirty="0">
-                <a:effectLst/>
-                <a:latin typeface="Times New Roman" panose="02020603050405020304" pitchFamily="18" charset="0"/>
-                <a:cs typeface="Times New Roman" panose="02020603050405020304" pitchFamily="18" charset="0"/>
-              </a:rPr>
-              <a:t>, у нас не </a:t>
-            </a:r>
-            <a:r>
-              <a:rPr lang="ru-RU" b="0" i="0" dirty="0" err="1">
-                <a:effectLst/>
-                <a:latin typeface="Times New Roman" panose="02020603050405020304" pitchFamily="18" charset="0"/>
-                <a:cs typeface="Times New Roman" panose="02020603050405020304" pitchFamily="18" charset="0"/>
-              </a:rPr>
-              <a:t>вийде</a:t>
-            </a:r>
-            <a:r>
-              <a:rPr lang="ru-RU" b="0" i="0" dirty="0">
-                <a:effectLst/>
-                <a:latin typeface="Times New Roman" panose="02020603050405020304" pitchFamily="18" charset="0"/>
-                <a:cs typeface="Times New Roman" panose="02020603050405020304" pitchFamily="18" charset="0"/>
-              </a:rPr>
-              <a:t> - тому </a:t>
-            </a:r>
-            <a:r>
-              <a:rPr lang="ru-RU" b="0" i="0" dirty="0" err="1">
-                <a:effectLst/>
-                <a:latin typeface="Times New Roman" panose="02020603050405020304" pitchFamily="18" charset="0"/>
-                <a:cs typeface="Times New Roman" panose="02020603050405020304" pitchFamily="18" charset="0"/>
-              </a:rPr>
-              <a:t>що</a:t>
-            </a:r>
-            <a:r>
-              <a:rPr lang="ru-RU" b="0" i="0" dirty="0">
-                <a:effectLst/>
-                <a:latin typeface="Times New Roman" panose="02020603050405020304" pitchFamily="18" charset="0"/>
-                <a:cs typeface="Times New Roman" panose="02020603050405020304" pitchFamily="18" charset="0"/>
-              </a:rPr>
-              <a:t> в </a:t>
-            </a:r>
-            <a:r>
-              <a:rPr lang="ru-RU" b="0" i="0" dirty="0" err="1">
-                <a:effectLst/>
-                <a:latin typeface="Times New Roman" panose="02020603050405020304" pitchFamily="18" charset="0"/>
-                <a:cs typeface="Times New Roman" panose="02020603050405020304" pitchFamily="18" charset="0"/>
-              </a:rPr>
-              <a:t>більшості</a:t>
-            </a:r>
-            <a:r>
-              <a:rPr lang="ru-RU" b="0" i="0" dirty="0">
-                <a:effectLst/>
-                <a:latin typeface="Times New Roman" panose="02020603050405020304" pitchFamily="18" charset="0"/>
-                <a:cs typeface="Times New Roman" panose="02020603050405020304" pitchFamily="18" charset="0"/>
-              </a:rPr>
-              <a:t> </a:t>
-            </a:r>
-            <a:r>
-              <a:rPr lang="ru-RU" b="0" i="0" dirty="0" err="1">
-                <a:effectLst/>
-                <a:latin typeface="Times New Roman" panose="02020603050405020304" pitchFamily="18" charset="0"/>
-                <a:cs typeface="Times New Roman" panose="02020603050405020304" pitchFamily="18" charset="0"/>
-              </a:rPr>
-              <a:t>вже</a:t>
-            </a:r>
-            <a:r>
-              <a:rPr lang="ru-RU" b="0" i="0" dirty="0">
-                <a:effectLst/>
-                <a:latin typeface="Times New Roman" panose="02020603050405020304" pitchFamily="18" charset="0"/>
-                <a:cs typeface="Times New Roman" panose="02020603050405020304" pitchFamily="18" charset="0"/>
-              </a:rPr>
-              <a:t> є </a:t>
-            </a:r>
-            <a:r>
-              <a:rPr lang="ru-RU" b="0" i="0" dirty="0" err="1">
-                <a:effectLst/>
-                <a:latin typeface="Times New Roman" panose="02020603050405020304" pitchFamily="18" charset="0"/>
-                <a:cs typeface="Times New Roman" panose="02020603050405020304" pitchFamily="18" charset="0"/>
-              </a:rPr>
-              <a:t>одиниця</a:t>
-            </a:r>
-            <a:r>
-              <a:rPr lang="ru-RU" b="0" i="0" dirty="0">
-                <a:effectLst/>
-                <a:latin typeface="Times New Roman" panose="02020603050405020304" pitchFamily="18" charset="0"/>
-                <a:cs typeface="Times New Roman" panose="02020603050405020304" pitchFamily="18" charset="0"/>
-              </a:rPr>
-              <a:t>:</a:t>
-            </a:r>
-            <a:endParaRPr lang="uk-UA" dirty="0">
-              <a:latin typeface="Times New Roman" panose="02020603050405020304" pitchFamily="18" charset="0"/>
-              <a:cs typeface="Times New Roman" panose="02020603050405020304" pitchFamily="18" charset="0"/>
-            </a:endParaRPr>
-          </a:p>
-        </p:txBody>
-      </p:sp>
-      <p:sp>
-        <p:nvSpPr>
-          <p:cNvPr id="4" name="Заголовок 1">
-            <a:extLst>
-              <a:ext uri="{FF2B5EF4-FFF2-40B4-BE49-F238E27FC236}">
-                <a16:creationId xmlns:a16="http://schemas.microsoft.com/office/drawing/2014/main" id="{A29FC11B-F8F9-476D-9FBD-07CBAE202736}"/>
-              </a:ext>
-            </a:extLst>
-          </p:cNvPr>
-          <p:cNvSpPr txBox="1">
-            <a:spLocks/>
-          </p:cNvSpPr>
-          <p:nvPr/>
-        </p:nvSpPr>
-        <p:spPr>
-          <a:xfrm>
-            <a:off x="0" y="1"/>
-            <a:ext cx="12192000" cy="603314"/>
-          </a:xfrm>
-          <a:prstGeom prst="rect">
-            <a:avLst/>
-          </a:prstGeom>
-        </p:spPr>
-        <p:txBody>
-          <a:bodyPr vert="horz" lIns="91440" tIns="45720" rIns="91440" bIns="45720" rtlCol="0" anchor="ctr">
-            <a:noAutofit/>
-          </a:bodyPr>
-          <a:lstStyle>
-            <a:lvl1pPr algn="l" defTabSz="914400" rtl="0" eaLnBrk="1" latinLnBrk="0" hangingPunct="1">
-              <a:lnSpc>
-                <a:spcPct val="90000"/>
-              </a:lnSpc>
-              <a:spcBef>
-                <a:spcPct val="0"/>
-              </a:spcBef>
-              <a:buNone/>
-              <a:defRPr sz="4400" kern="1200">
-                <a:solidFill>
-                  <a:schemeClr val="tx1"/>
-                </a:solidFill>
-                <a:latin typeface="+mj-lt"/>
-                <a:ea typeface="+mj-ea"/>
-                <a:cs typeface="+mj-cs"/>
-              </a:defRPr>
-            </a:lvl1pPr>
-          </a:lstStyle>
-          <a:p>
-            <a:pPr algn="ctr"/>
-            <a:r>
-              <a:rPr lang="uk-UA">
-                <a:latin typeface="Times New Roman" panose="02020603050405020304" pitchFamily="18" charset="0"/>
-                <a:cs typeface="Times New Roman" panose="02020603050405020304" pitchFamily="18" charset="0"/>
-              </a:rPr>
-              <a:t>Що таке множина (</a:t>
-            </a:r>
-            <a:r>
-              <a:rPr lang="en-US">
-                <a:latin typeface="Times New Roman" panose="02020603050405020304" pitchFamily="18" charset="0"/>
-                <a:cs typeface="Times New Roman" panose="02020603050405020304" pitchFamily="18" charset="0"/>
-              </a:rPr>
-              <a:t>Set) </a:t>
-            </a:r>
-            <a:endParaRPr lang="uk-UA" dirty="0">
-              <a:latin typeface="Times New Roman" panose="02020603050405020304" pitchFamily="18" charset="0"/>
-              <a:cs typeface="Times New Roman" panose="02020603050405020304" pitchFamily="18" charset="0"/>
-            </a:endParaRPr>
-          </a:p>
-        </p:txBody>
-      </p:sp>
-      <p:pic>
-        <p:nvPicPr>
-          <p:cNvPr id="6" name="Рисунок 5">
-            <a:extLst>
-              <a:ext uri="{FF2B5EF4-FFF2-40B4-BE49-F238E27FC236}">
-                <a16:creationId xmlns:a16="http://schemas.microsoft.com/office/drawing/2014/main" id="{8DB2E294-83AF-4BBD-810E-E18867672A15}"/>
-              </a:ext>
-            </a:extLst>
-          </p:cNvPr>
-          <p:cNvPicPr>
-            <a:picLocks noChangeAspect="1"/>
-          </p:cNvPicPr>
-          <p:nvPr/>
-        </p:nvPicPr>
-        <p:blipFill>
-          <a:blip r:embed="rId2"/>
-          <a:stretch>
-            <a:fillRect/>
-          </a:stretch>
-        </p:blipFill>
-        <p:spPr>
-          <a:xfrm>
-            <a:off x="659876" y="2169306"/>
-            <a:ext cx="3965494" cy="2519388"/>
-          </a:xfrm>
-          <a:prstGeom prst="rect">
-            <a:avLst/>
-          </a:prstGeom>
-        </p:spPr>
-      </p:pic>
-      <p:sp>
-        <p:nvSpPr>
-          <p:cNvPr id="8" name="TextBox 7">
-            <a:extLst>
-              <a:ext uri="{FF2B5EF4-FFF2-40B4-BE49-F238E27FC236}">
-                <a16:creationId xmlns:a16="http://schemas.microsoft.com/office/drawing/2014/main" id="{7CF93E29-6587-45B5-AD57-0BF9FF1547E2}"/>
-              </a:ext>
-            </a:extLst>
-          </p:cNvPr>
-          <p:cNvSpPr txBox="1"/>
-          <p:nvPr/>
-        </p:nvSpPr>
-        <p:spPr>
-          <a:xfrm>
-            <a:off x="659876" y="5018144"/>
-            <a:ext cx="10058400" cy="830997"/>
-          </a:xfrm>
-          <a:prstGeom prst="rect">
-            <a:avLst/>
-          </a:prstGeom>
-          <a:noFill/>
-        </p:spPr>
-        <p:txBody>
-          <a:bodyPr wrap="square">
-            <a:spAutoFit/>
-          </a:bodyPr>
-          <a:lstStyle/>
-          <a:p>
-            <a:r>
-              <a:rPr lang="ru-RU" sz="2400" b="0" i="0" dirty="0">
-                <a:effectLst/>
-                <a:latin typeface="Times New Roman" panose="02020603050405020304" pitchFamily="18" charset="0"/>
-                <a:cs typeface="Times New Roman" panose="02020603050405020304" pitchFamily="18" charset="0"/>
-              </a:rPr>
-              <a:t>Таким чином, </a:t>
-            </a:r>
-            <a:r>
-              <a:rPr lang="ru-RU" sz="2400" b="0" i="0" dirty="0" err="1">
-                <a:effectLst/>
-                <a:latin typeface="Times New Roman" panose="02020603050405020304" pitchFamily="18" charset="0"/>
-                <a:cs typeface="Times New Roman" panose="02020603050405020304" pitchFamily="18" charset="0"/>
-              </a:rPr>
-              <a:t>множина</a:t>
-            </a:r>
-            <a:r>
-              <a:rPr lang="ru-RU" sz="2400" b="0" i="0" dirty="0">
-                <a:effectLst/>
-                <a:latin typeface="Times New Roman" panose="02020603050405020304" pitchFamily="18" charset="0"/>
-                <a:cs typeface="Times New Roman" panose="02020603050405020304" pitchFamily="18" charset="0"/>
-              </a:rPr>
-              <a:t> </a:t>
-            </a:r>
-            <a:r>
-              <a:rPr lang="ru-RU" sz="2400" b="1" i="0" dirty="0" err="1">
-                <a:effectLst/>
-                <a:latin typeface="Times New Roman" panose="02020603050405020304" pitchFamily="18" charset="0"/>
-                <a:cs typeface="Times New Roman" panose="02020603050405020304" pitchFamily="18" charset="0"/>
-              </a:rPr>
-              <a:t>забезпечує</a:t>
-            </a:r>
-            <a:r>
-              <a:rPr lang="ru-RU" sz="2400" b="0" i="0" dirty="0">
-                <a:effectLst/>
-                <a:latin typeface="Times New Roman" panose="02020603050405020304" pitchFamily="18" charset="0"/>
-                <a:cs typeface="Times New Roman" panose="02020603050405020304" pitchFamily="18" charset="0"/>
-              </a:rPr>
-              <a:t> </a:t>
-            </a:r>
-            <a:r>
-              <a:rPr lang="ru-RU" sz="2400" b="1" i="0" dirty="0" err="1">
-                <a:effectLst/>
-                <a:latin typeface="Times New Roman" panose="02020603050405020304" pitchFamily="18" charset="0"/>
-                <a:cs typeface="Times New Roman" panose="02020603050405020304" pitchFamily="18" charset="0"/>
-              </a:rPr>
-              <a:t>унікальність</a:t>
-            </a:r>
-            <a:r>
-              <a:rPr lang="ru-RU" sz="2400" b="1" i="0" dirty="0">
-                <a:effectLst/>
-                <a:latin typeface="Times New Roman" panose="02020603050405020304" pitchFamily="18" charset="0"/>
-                <a:cs typeface="Times New Roman" panose="02020603050405020304" pitchFamily="18" charset="0"/>
-              </a:rPr>
-              <a:t> </a:t>
-            </a:r>
-            <a:r>
-              <a:rPr lang="ru-RU" sz="2400" b="1" i="0" dirty="0" err="1">
-                <a:effectLst/>
-                <a:latin typeface="Times New Roman" panose="02020603050405020304" pitchFamily="18" charset="0"/>
-                <a:cs typeface="Times New Roman" panose="02020603050405020304" pitchFamily="18" charset="0"/>
-              </a:rPr>
-              <a:t>своїх</a:t>
-            </a:r>
-            <a:r>
-              <a:rPr lang="ru-RU" sz="2400" b="1" i="0" dirty="0">
-                <a:effectLst/>
-                <a:latin typeface="Times New Roman" panose="02020603050405020304" pitchFamily="18" charset="0"/>
-                <a:cs typeface="Times New Roman" panose="02020603050405020304" pitchFamily="18" charset="0"/>
-              </a:rPr>
-              <a:t> </a:t>
-            </a:r>
-            <a:r>
-              <a:rPr lang="ru-RU" sz="2400" b="1" i="0" dirty="0" err="1">
-                <a:effectLst/>
-                <a:latin typeface="Times New Roman" panose="02020603050405020304" pitchFamily="18" charset="0"/>
-                <a:cs typeface="Times New Roman" panose="02020603050405020304" pitchFamily="18" charset="0"/>
-              </a:rPr>
-              <a:t>елементів</a:t>
-            </a:r>
-            <a:r>
-              <a:rPr lang="ru-RU" sz="2400" b="0" i="0" dirty="0">
-                <a:effectLst/>
-                <a:latin typeface="Times New Roman" panose="02020603050405020304" pitchFamily="18" charset="0"/>
-                <a:cs typeface="Times New Roman" panose="02020603050405020304" pitchFamily="18" charset="0"/>
-              </a:rPr>
-              <a:t>. Можете бути </a:t>
-            </a:r>
-            <a:r>
-              <a:rPr lang="ru-RU" sz="2400" b="0" i="0" dirty="0" err="1">
-                <a:effectLst/>
-                <a:latin typeface="Times New Roman" panose="02020603050405020304" pitchFamily="18" charset="0"/>
-                <a:cs typeface="Times New Roman" panose="02020603050405020304" pitchFamily="18" charset="0"/>
-              </a:rPr>
-              <a:t>спокійні</a:t>
-            </a:r>
-            <a:r>
-              <a:rPr lang="ru-RU" sz="2400" b="0" i="0" dirty="0">
-                <a:effectLst/>
-                <a:latin typeface="Times New Roman" panose="02020603050405020304" pitchFamily="18" charset="0"/>
-                <a:cs typeface="Times New Roman" panose="02020603050405020304" pitchFamily="18" charset="0"/>
-              </a:rPr>
-              <a:t> - </a:t>
-            </a:r>
-            <a:r>
-              <a:rPr lang="ru-RU" sz="2400" b="0" i="0" dirty="0" err="1">
-                <a:effectLst/>
-                <a:latin typeface="Times New Roman" panose="02020603050405020304" pitchFamily="18" charset="0"/>
-                <a:cs typeface="Times New Roman" panose="02020603050405020304" pitchFamily="18" charset="0"/>
-              </a:rPr>
-              <a:t>дублюватись</a:t>
-            </a:r>
-            <a:r>
-              <a:rPr lang="ru-RU" sz="2400" b="0" i="0" dirty="0">
-                <a:effectLst/>
-                <a:latin typeface="Times New Roman" panose="02020603050405020304" pitchFamily="18" charset="0"/>
-                <a:cs typeface="Times New Roman" panose="02020603050405020304" pitchFamily="18" charset="0"/>
-              </a:rPr>
-              <a:t> у </a:t>
-            </a:r>
-            <a:r>
-              <a:rPr lang="ru-RU" sz="2400" b="0" i="0" dirty="0" err="1">
-                <a:effectLst/>
-                <a:latin typeface="Times New Roman" panose="02020603050405020304" pitchFamily="18" charset="0"/>
-                <a:cs typeface="Times New Roman" panose="02020603050405020304" pitchFamily="18" charset="0"/>
-              </a:rPr>
-              <a:t>множинах</a:t>
-            </a:r>
-            <a:r>
-              <a:rPr lang="ru-RU" sz="2400" b="0" i="0" dirty="0">
-                <a:effectLst/>
-                <a:latin typeface="Times New Roman" panose="02020603050405020304" pitchFamily="18" charset="0"/>
-                <a:cs typeface="Times New Roman" panose="02020603050405020304" pitchFamily="18" charset="0"/>
-              </a:rPr>
-              <a:t> </a:t>
-            </a:r>
-            <a:r>
-              <a:rPr lang="ru-RU" sz="2400" b="0" i="0" dirty="0" err="1">
-                <a:effectLst/>
-                <a:latin typeface="Times New Roman" panose="02020603050405020304" pitchFamily="18" charset="0"/>
-                <a:cs typeface="Times New Roman" panose="02020603050405020304" pitchFamily="18" charset="0"/>
-              </a:rPr>
-              <a:t>нічого</a:t>
-            </a:r>
-            <a:r>
-              <a:rPr lang="ru-RU" sz="2400" b="0" i="0" dirty="0">
-                <a:effectLst/>
-                <a:latin typeface="Times New Roman" panose="02020603050405020304" pitchFamily="18" charset="0"/>
-                <a:cs typeface="Times New Roman" panose="02020603050405020304" pitchFamily="18" charset="0"/>
-              </a:rPr>
-              <a:t> не буде.</a:t>
-            </a:r>
-            <a:endParaRPr lang="uk-UA" sz="2400" dirty="0">
-              <a:latin typeface="Times New Roman" panose="02020603050405020304" pitchFamily="18" charset="0"/>
-              <a:cs typeface="Times New Roman" panose="02020603050405020304" pitchFamily="18" charset="0"/>
-            </a:endParaRPr>
-          </a:p>
-        </p:txBody>
-      </p:sp>
-    </p:spTree>
-    <p:extLst>
-      <p:ext uri="{BB962C8B-B14F-4D97-AF65-F5344CB8AC3E}">
-        <p14:creationId xmlns:p14="http://schemas.microsoft.com/office/powerpoint/2010/main" val="1654189012"/>
-      </p:ext>
-    </p:extLst>
-  </p:cSld>
-  <p:clrMapOvr>
-    <a:masterClrMapping/>
-  </p:clrMapOvr>
-</p:sld>
-</file>
-
-<file path=ppt/slides/slide5.xml><?xml version="1.0" encoding="utf-8"?>
-<p:sld xmlns:a="http://schemas.openxmlformats.org/drawingml/2006/main" xmlns:r="http://schemas.openxmlformats.org/officeDocument/2006/relationships" xmlns:p="http://schemas.openxmlformats.org/presentationml/2006/main">
-  <p:cSld>
-    <p:spTree>
-      <p:nvGrpSpPr>
-        <p:cNvPr id="1" name=""/>
-        <p:cNvGrpSpPr/>
-        <p:nvPr/>
-      </p:nvGrpSpPr>
-      <p:grpSpPr>
-        <a:xfrm>
-          <a:off x="0" y="0"/>
-          <a:ext cx="0" cy="0"/>
-          <a:chOff x="0" y="0"/>
-          <a:chExt cx="0" cy="0"/>
-        </a:xfrm>
-      </p:grpSpPr>
-      <p:sp>
-        <p:nvSpPr>
           <p:cNvPr id="227330" name="Заголовок 1"/>
           <p:cNvSpPr>
             <a:spLocks noGrp="1"/>
@@ -25626,7 +25523,7 @@
 </p:sld>
 </file>
 
-<file path=ppt/slides/slide6.xml><?xml version="1.0" encoding="utf-8"?>
+<file path=ppt/slides/slide5.xml><?xml version="1.0" encoding="utf-8"?>
 <p:sld xmlns:a="http://schemas.openxmlformats.org/drawingml/2006/main" xmlns:r="http://schemas.openxmlformats.org/officeDocument/2006/relationships" xmlns:p="http://schemas.openxmlformats.org/presentationml/2006/main">
   <p:cSld>
     <p:spTree>
@@ -26211,7 +26108,7 @@
 </p:sld>
 </file>
 
-<file path=ppt/slides/slide7.xml><?xml version="1.0" encoding="utf-8"?>
+<file path=ppt/slides/slide6.xml><?xml version="1.0" encoding="utf-8"?>
 <p:sld xmlns:a="http://schemas.openxmlformats.org/drawingml/2006/main" xmlns:r="http://schemas.openxmlformats.org/officeDocument/2006/relationships" xmlns:p="http://schemas.openxmlformats.org/presentationml/2006/main">
   <p:cSld>
     <p:spTree>
@@ -26461,6 +26358,109 @@
     <p:extLst>
       <p:ext uri="{BB962C8B-B14F-4D97-AF65-F5344CB8AC3E}">
         <p14:creationId xmlns:p14="http://schemas.microsoft.com/office/powerpoint/2010/main" val="2239329384"/>
+      </p:ext>
+    </p:extLst>
+  </p:cSld>
+  <p:clrMapOvr>
+    <a:masterClrMapping/>
+  </p:clrMapOvr>
+</p:sld>
+</file>
+
+<file path=ppt/slides/slide7.xml><?xml version="1.0" encoding="utf-8"?>
+<p:sld xmlns:a="http://schemas.openxmlformats.org/drawingml/2006/main" xmlns:r="http://schemas.openxmlformats.org/officeDocument/2006/relationships" xmlns:p="http://schemas.openxmlformats.org/presentationml/2006/main">
+  <p:cSld>
+    <p:spTree>
+      <p:nvGrpSpPr>
+        <p:cNvPr id="1" name=""/>
+        <p:cNvGrpSpPr/>
+        <p:nvPr/>
+      </p:nvGrpSpPr>
+      <p:grpSpPr>
+        <a:xfrm>
+          <a:off x="0" y="0"/>
+          <a:ext cx="0" cy="0"/>
+          <a:chOff x="0" y="0"/>
+          <a:chExt cx="0" cy="0"/>
+        </a:xfrm>
+      </p:grpSpPr>
+      <p:pic>
+        <p:nvPicPr>
+          <p:cNvPr id="5" name="Рисунок 4">
+            <a:extLst>
+              <a:ext uri="{FF2B5EF4-FFF2-40B4-BE49-F238E27FC236}">
+                <a16:creationId xmlns:a16="http://schemas.microsoft.com/office/drawing/2014/main" id="{8E3959EE-865F-47E2-96DF-0FE19D5E729B}"/>
+              </a:ext>
+            </a:extLst>
+          </p:cNvPr>
+          <p:cNvPicPr>
+            <a:picLocks noChangeAspect="1"/>
+          </p:cNvPicPr>
+          <p:nvPr/>
+        </p:nvPicPr>
+        <p:blipFill>
+          <a:blip r:embed="rId2"/>
+          <a:stretch>
+            <a:fillRect/>
+          </a:stretch>
+        </p:blipFill>
+        <p:spPr>
+          <a:xfrm>
+            <a:off x="2147887" y="1385887"/>
+            <a:ext cx="7896225" cy="4086225"/>
+          </a:xfrm>
+          <a:prstGeom prst="rect">
+            <a:avLst/>
+          </a:prstGeom>
+        </p:spPr>
+      </p:pic>
+      <p:sp>
+        <p:nvSpPr>
+          <p:cNvPr id="6" name="Заголовок 1">
+            <a:extLst>
+              <a:ext uri="{FF2B5EF4-FFF2-40B4-BE49-F238E27FC236}">
+                <a16:creationId xmlns:a16="http://schemas.microsoft.com/office/drawing/2014/main" id="{61809A7A-4B9D-4EC5-A06F-4FC12406F07F}"/>
+              </a:ext>
+            </a:extLst>
+          </p:cNvPr>
+          <p:cNvSpPr>
+            <a:spLocks noGrp="1"/>
+          </p:cNvSpPr>
+          <p:nvPr>
+            <p:ph type="title"/>
+          </p:nvPr>
+        </p:nvSpPr>
+        <p:spPr>
+          <a:xfrm>
+            <a:off x="0" y="1"/>
+            <a:ext cx="12192000" cy="1065228"/>
+          </a:xfrm>
+        </p:spPr>
+        <p:txBody>
+          <a:bodyPr>
+            <a:normAutofit/>
+          </a:bodyPr>
+          <a:lstStyle/>
+          <a:p>
+            <a:pPr algn="ctr"/>
+            <a:r>
+              <a:rPr lang="en-US" sz="4000" b="1" dirty="0">
+                <a:latin typeface="Times New Roman" panose="02020603050405020304" pitchFamily="18" charset="0"/>
+                <a:cs typeface="Times New Roman" panose="02020603050405020304" pitchFamily="18" charset="0"/>
+              </a:rPr>
+              <a:t>HashSet</a:t>
+            </a:r>
+            <a:endParaRPr lang="uk-UA" sz="4000" dirty="0">
+              <a:latin typeface="Times New Roman" panose="02020603050405020304" pitchFamily="18" charset="0"/>
+              <a:cs typeface="Times New Roman" panose="02020603050405020304" pitchFamily="18" charset="0"/>
+            </a:endParaRPr>
+          </a:p>
+        </p:txBody>
+      </p:sp>
+    </p:spTree>
+    <p:extLst>
+      <p:ext uri="{BB962C8B-B14F-4D97-AF65-F5344CB8AC3E}">
+        <p14:creationId xmlns:p14="http://schemas.microsoft.com/office/powerpoint/2010/main" val="3457657643"/>
       </p:ext>
     </p:extLst>
   </p:cSld>
